--- a/IRIAF-dataviz-M2-2022 - TD.pptx
+++ b/IRIAF-dataviz-M2-2022 - TD.pptx
@@ -5,7 +5,7 @@
     <p:sldMasterId id="2147483648" r:id="rId1"/>
   </p:sldMasterIdLst>
   <p:notesMasterIdLst>
-    <p:notesMasterId r:id="rId8"/>
+    <p:notesMasterId r:id="rId9"/>
   </p:notesMasterIdLst>
   <p:sldIdLst>
     <p:sldId id="351" r:id="rId2"/>
@@ -13,30 +13,31 @@
     <p:sldId id="388" r:id="rId4"/>
     <p:sldId id="390" r:id="rId5"/>
     <p:sldId id="391" r:id="rId6"/>
-    <p:sldId id="392" r:id="rId7"/>
+    <p:sldId id="393" r:id="rId7"/>
+    <p:sldId id="392" r:id="rId8"/>
   </p:sldIdLst>
   <p:sldSz cx="12192000" cy="6858000"/>
   <p:notesSz cx="6858000" cy="9144000"/>
   <p:embeddedFontLst>
     <p:embeddedFont>
       <p:font typeface="Roboto Light" panose="020B0604020202020204" charset="0"/>
-      <p:regular r:id="rId9"/>
+      <p:regular r:id="rId10"/>
+    </p:embeddedFont>
+    <p:embeddedFont>
+      <p:font typeface="Roboto Thin" panose="020B0604020202020204" charset="0"/>
+      <p:regular r:id="rId11"/>
     </p:embeddedFont>
     <p:embeddedFont>
       <p:font typeface="Roboto" panose="020B0604020202020204" charset="0"/>
-      <p:regular r:id="rId10"/>
-      <p:bold r:id="rId11"/>
-    </p:embeddedFont>
-    <p:embeddedFont>
-      <p:font typeface="Roboto Thin" panose="020B0604020202020204" charset="0"/>
       <p:regular r:id="rId12"/>
+      <p:bold r:id="rId13"/>
     </p:embeddedFont>
     <p:embeddedFont>
       <p:font typeface="Calibri" panose="020F0502020204030204" pitchFamily="34" charset="0"/>
-      <p:regular r:id="rId13"/>
-      <p:bold r:id="rId14"/>
-      <p:italic r:id="rId15"/>
-      <p:boldItalic r:id="rId16"/>
+      <p:regular r:id="rId14"/>
+      <p:bold r:id="rId15"/>
+      <p:italic r:id="rId16"/>
+      <p:boldItalic r:id="rId17"/>
     </p:embeddedFont>
   </p:embeddedFontLst>
   <p:defaultTextStyle>
@@ -136,7 +137,7 @@
   </p:defaultTextStyle>
   <p:extLst>
     <p:ext uri="{EFAFB233-063F-42B5-8137-9DF3F51BA10A}">
-      <p15:sldGuideLst xmlns:p15="http://schemas.microsoft.com/office/powerpoint/2012/main" xmlns="">
+      <p15:sldGuideLst xmlns="" xmlns:p15="http://schemas.microsoft.com/office/powerpoint/2012/main">
         <p15:guide id="1" orient="horz" pos="936" userDrawn="1">
           <p15:clr>
             <a:srgbClr val="A4A3A4"/>
@@ -245,7 +246,7 @@
           <a:p>
             <a:fld id="{CFB49A4F-544D-E343-A5E6-80A6CA36CBA7}" type="datetimeFigureOut">
               <a:rPr lang="en-US" smtClean="0"/>
-              <a:t>12/4/2022</a:t>
+              <a:t>12/6/2022</a:t>
             </a:fld>
             <a:endParaRPr lang="en-US"/>
           </a:p>
@@ -553,7 +554,7 @@
           <p:cNvPr id="3" name="Title 2">
             <a:extLst>
               <a:ext uri="{FF2B5EF4-FFF2-40B4-BE49-F238E27FC236}">
-                <a16:creationId xmlns:a16="http://schemas.microsoft.com/office/drawing/2014/main" xmlns="" id="{68D0FC7A-79CA-B549-9BE3-0B6E6A93B569}"/>
+                <a16:creationId xmlns="" xmlns:a16="http://schemas.microsoft.com/office/drawing/2014/main" id="{68D0FC7A-79CA-B549-9BE3-0B6E6A93B569}"/>
               </a:ext>
             </a:extLst>
           </p:cNvPr>
@@ -626,7 +627,7 @@
           <p:cNvPr id="2" name="Title 1">
             <a:extLst>
               <a:ext uri="{FF2B5EF4-FFF2-40B4-BE49-F238E27FC236}">
-                <a16:creationId xmlns:a16="http://schemas.microsoft.com/office/drawing/2014/main" xmlns="" id="{34A17ED2-1F49-304C-B176-8885B708D98B}"/>
+                <a16:creationId xmlns="" xmlns:a16="http://schemas.microsoft.com/office/drawing/2014/main" id="{34A17ED2-1F49-304C-B176-8885B708D98B}"/>
               </a:ext>
             </a:extLst>
           </p:cNvPr>
@@ -659,7 +660,7 @@
           <p:cNvPr id="7" name="Picture Placeholder 6">
             <a:extLst>
               <a:ext uri="{FF2B5EF4-FFF2-40B4-BE49-F238E27FC236}">
-                <a16:creationId xmlns:a16="http://schemas.microsoft.com/office/drawing/2014/main" xmlns="" id="{2233A4F3-CEA0-D44E-952E-1FF531E8CB64}"/>
+                <a16:creationId xmlns="" xmlns:a16="http://schemas.microsoft.com/office/drawing/2014/main" id="{2233A4F3-CEA0-D44E-952E-1FF531E8CB64}"/>
               </a:ext>
             </a:extLst>
           </p:cNvPr>
@@ -731,7 +732,7 @@
           <p:cNvPr id="3" name="Rectangle 2">
             <a:extLst>
               <a:ext uri="{FF2B5EF4-FFF2-40B4-BE49-F238E27FC236}">
-                <a16:creationId xmlns:a16="http://schemas.microsoft.com/office/drawing/2014/main" xmlns="" id="{0A258D18-A7EC-CE43-81DB-8CC545C80E60}"/>
+                <a16:creationId xmlns="" xmlns:a16="http://schemas.microsoft.com/office/drawing/2014/main" id="{0A258D18-A7EC-CE43-81DB-8CC545C80E60}"/>
               </a:ext>
             </a:extLst>
           </p:cNvPr>
@@ -783,7 +784,7 @@
           <p:cNvPr id="5" name="Picture 4" descr="A screen shot of a computer&#10;&#10;Description automatically generated">
             <a:extLst>
               <a:ext uri="{FF2B5EF4-FFF2-40B4-BE49-F238E27FC236}">
-                <a16:creationId xmlns:a16="http://schemas.microsoft.com/office/drawing/2014/main" xmlns="" id="{56E93F89-6F61-934E-BED2-8CBF3471A18A}"/>
+                <a16:creationId xmlns="" xmlns:a16="http://schemas.microsoft.com/office/drawing/2014/main" id="{56E93F89-6F61-934E-BED2-8CBF3471A18A}"/>
               </a:ext>
             </a:extLst>
           </p:cNvPr>
@@ -818,7 +819,7 @@
           <p:cNvPr id="2" name="Title 1">
             <a:extLst>
               <a:ext uri="{FF2B5EF4-FFF2-40B4-BE49-F238E27FC236}">
-                <a16:creationId xmlns:a16="http://schemas.microsoft.com/office/drawing/2014/main" xmlns="" id="{34A17ED2-1F49-304C-B176-8885B708D98B}"/>
+                <a16:creationId xmlns="" xmlns:a16="http://schemas.microsoft.com/office/drawing/2014/main" id="{34A17ED2-1F49-304C-B176-8885B708D98B}"/>
               </a:ext>
             </a:extLst>
           </p:cNvPr>
@@ -851,7 +852,7 @@
           <p:cNvPr id="4" name="Picture Placeholder 6">
             <a:extLst>
               <a:ext uri="{FF2B5EF4-FFF2-40B4-BE49-F238E27FC236}">
-                <a16:creationId xmlns:a16="http://schemas.microsoft.com/office/drawing/2014/main" xmlns="" id="{9CB07F85-CE16-E64B-A3F5-2E8409872BCA}"/>
+                <a16:creationId xmlns="" xmlns:a16="http://schemas.microsoft.com/office/drawing/2014/main" id="{9CB07F85-CE16-E64B-A3F5-2E8409872BCA}"/>
               </a:ext>
             </a:extLst>
           </p:cNvPr>
@@ -918,7 +919,7 @@
           <p:cNvPr id="2" name="Title 1">
             <a:extLst>
               <a:ext uri="{FF2B5EF4-FFF2-40B4-BE49-F238E27FC236}">
-                <a16:creationId xmlns:a16="http://schemas.microsoft.com/office/drawing/2014/main" xmlns="" id="{34A17ED2-1F49-304C-B176-8885B708D98B}"/>
+                <a16:creationId xmlns="" xmlns:a16="http://schemas.microsoft.com/office/drawing/2014/main" id="{34A17ED2-1F49-304C-B176-8885B708D98B}"/>
               </a:ext>
             </a:extLst>
           </p:cNvPr>
@@ -951,7 +952,7 @@
           <p:cNvPr id="4" name="Picture Placeholder 6">
             <a:extLst>
               <a:ext uri="{FF2B5EF4-FFF2-40B4-BE49-F238E27FC236}">
-                <a16:creationId xmlns:a16="http://schemas.microsoft.com/office/drawing/2014/main" xmlns="" id="{9CB07F85-CE16-E64B-A3F5-2E8409872BCA}"/>
+                <a16:creationId xmlns="" xmlns:a16="http://schemas.microsoft.com/office/drawing/2014/main" id="{9CB07F85-CE16-E64B-A3F5-2E8409872BCA}"/>
               </a:ext>
             </a:extLst>
           </p:cNvPr>
@@ -1023,7 +1024,7 @@
           <p:cNvPr id="4" name="Picture Placeholder 3">
             <a:extLst>
               <a:ext uri="{FF2B5EF4-FFF2-40B4-BE49-F238E27FC236}">
-                <a16:creationId xmlns:a16="http://schemas.microsoft.com/office/drawing/2014/main" xmlns="" id="{DF766909-44DB-9549-ADCF-19CC899418E8}"/>
+                <a16:creationId xmlns="" xmlns:a16="http://schemas.microsoft.com/office/drawing/2014/main" id="{DF766909-44DB-9549-ADCF-19CC899418E8}"/>
               </a:ext>
             </a:extLst>
           </p:cNvPr>
@@ -1064,7 +1065,7 @@
           <p:cNvPr id="2" name="Title 1">
             <a:extLst>
               <a:ext uri="{FF2B5EF4-FFF2-40B4-BE49-F238E27FC236}">
-                <a16:creationId xmlns:a16="http://schemas.microsoft.com/office/drawing/2014/main" xmlns="" id="{34A17ED2-1F49-304C-B176-8885B708D98B}"/>
+                <a16:creationId xmlns="" xmlns:a16="http://schemas.microsoft.com/office/drawing/2014/main" id="{34A17ED2-1F49-304C-B176-8885B708D98B}"/>
               </a:ext>
             </a:extLst>
           </p:cNvPr>
@@ -1122,7 +1123,7 @@
           <p:cNvPr id="7" name="Picture Placeholder 6">
             <a:extLst>
               <a:ext uri="{FF2B5EF4-FFF2-40B4-BE49-F238E27FC236}">
-                <a16:creationId xmlns:a16="http://schemas.microsoft.com/office/drawing/2014/main" xmlns="" id="{2C813000-0E71-AD4A-944F-C0EAD684708D}"/>
+                <a16:creationId xmlns="" xmlns:a16="http://schemas.microsoft.com/office/drawing/2014/main" id="{2C813000-0E71-AD4A-944F-C0EAD684708D}"/>
               </a:ext>
             </a:extLst>
           </p:cNvPr>
@@ -1168,7 +1169,7 @@
           <p:cNvPr id="2" name="Title 1">
             <a:extLst>
               <a:ext uri="{FF2B5EF4-FFF2-40B4-BE49-F238E27FC236}">
-                <a16:creationId xmlns:a16="http://schemas.microsoft.com/office/drawing/2014/main" xmlns="" id="{34A17ED2-1F49-304C-B176-8885B708D98B}"/>
+                <a16:creationId xmlns="" xmlns:a16="http://schemas.microsoft.com/office/drawing/2014/main" id="{34A17ED2-1F49-304C-B176-8885B708D98B}"/>
               </a:ext>
             </a:extLst>
           </p:cNvPr>
@@ -1226,7 +1227,7 @@
           <p:cNvPr id="4" name="Picture Placeholder 3">
             <a:extLst>
               <a:ext uri="{FF2B5EF4-FFF2-40B4-BE49-F238E27FC236}">
-                <a16:creationId xmlns:a16="http://schemas.microsoft.com/office/drawing/2014/main" xmlns="" id="{DF766909-44DB-9549-ADCF-19CC899418E8}"/>
+                <a16:creationId xmlns="" xmlns:a16="http://schemas.microsoft.com/office/drawing/2014/main" id="{DF766909-44DB-9549-ADCF-19CC899418E8}"/>
               </a:ext>
             </a:extLst>
           </p:cNvPr>
@@ -1355,7 +1356,7 @@
           <p:cNvPr id="2" name="Title 1">
             <a:extLst>
               <a:ext uri="{FF2B5EF4-FFF2-40B4-BE49-F238E27FC236}">
-                <a16:creationId xmlns:a16="http://schemas.microsoft.com/office/drawing/2014/main" xmlns="" id="{34A17ED2-1F49-304C-B176-8885B708D98B}"/>
+                <a16:creationId xmlns="" xmlns:a16="http://schemas.microsoft.com/office/drawing/2014/main" id="{34A17ED2-1F49-304C-B176-8885B708D98B}"/>
               </a:ext>
             </a:extLst>
           </p:cNvPr>
@@ -1413,7 +1414,7 @@
           <p:cNvPr id="4" name="Picture Placeholder 3">
             <a:extLst>
               <a:ext uri="{FF2B5EF4-FFF2-40B4-BE49-F238E27FC236}">
-                <a16:creationId xmlns:a16="http://schemas.microsoft.com/office/drawing/2014/main" xmlns="" id="{DF766909-44DB-9549-ADCF-19CC899418E8}"/>
+                <a16:creationId xmlns="" xmlns:a16="http://schemas.microsoft.com/office/drawing/2014/main" id="{DF766909-44DB-9549-ADCF-19CC899418E8}"/>
               </a:ext>
             </a:extLst>
           </p:cNvPr>
@@ -1454,7 +1455,7 @@
           <p:cNvPr id="2" name="Title 1">
             <a:extLst>
               <a:ext uri="{FF2B5EF4-FFF2-40B4-BE49-F238E27FC236}">
-                <a16:creationId xmlns:a16="http://schemas.microsoft.com/office/drawing/2014/main" xmlns="" id="{34A17ED2-1F49-304C-B176-8885B708D98B}"/>
+                <a16:creationId xmlns="" xmlns:a16="http://schemas.microsoft.com/office/drawing/2014/main" id="{34A17ED2-1F49-304C-B176-8885B708D98B}"/>
               </a:ext>
             </a:extLst>
           </p:cNvPr>
@@ -1517,7 +1518,7 @@
           <p:cNvPr id="2" name="Title 1">
             <a:extLst>
               <a:ext uri="{FF2B5EF4-FFF2-40B4-BE49-F238E27FC236}">
-                <a16:creationId xmlns:a16="http://schemas.microsoft.com/office/drawing/2014/main" xmlns="" id="{34A17ED2-1F49-304C-B176-8885B708D98B}"/>
+                <a16:creationId xmlns="" xmlns:a16="http://schemas.microsoft.com/office/drawing/2014/main" id="{34A17ED2-1F49-304C-B176-8885B708D98B}"/>
               </a:ext>
             </a:extLst>
           </p:cNvPr>
@@ -1550,7 +1551,7 @@
           <p:cNvPr id="5" name="Picture Placeholder 14">
             <a:extLst>
               <a:ext uri="{FF2B5EF4-FFF2-40B4-BE49-F238E27FC236}">
-                <a16:creationId xmlns:a16="http://schemas.microsoft.com/office/drawing/2014/main" xmlns="" id="{4E4B6E66-9A54-7E41-8FB2-E720232C3C0E}"/>
+                <a16:creationId xmlns="" xmlns:a16="http://schemas.microsoft.com/office/drawing/2014/main" id="{4E4B6E66-9A54-7E41-8FB2-E720232C3C0E}"/>
               </a:ext>
             </a:extLst>
           </p:cNvPr>
@@ -1685,7 +1686,7 @@
           <p:cNvPr id="4" name="Picture Placeholder 3">
             <a:extLst>
               <a:ext uri="{FF2B5EF4-FFF2-40B4-BE49-F238E27FC236}">
-                <a16:creationId xmlns:a16="http://schemas.microsoft.com/office/drawing/2014/main" xmlns="" id="{DF766909-44DB-9549-ADCF-19CC899418E8}"/>
+                <a16:creationId xmlns="" xmlns:a16="http://schemas.microsoft.com/office/drawing/2014/main" id="{DF766909-44DB-9549-ADCF-19CC899418E8}"/>
               </a:ext>
             </a:extLst>
           </p:cNvPr>
@@ -1726,7 +1727,7 @@
           <p:cNvPr id="2" name="Title 1">
             <a:extLst>
               <a:ext uri="{FF2B5EF4-FFF2-40B4-BE49-F238E27FC236}">
-                <a16:creationId xmlns:a16="http://schemas.microsoft.com/office/drawing/2014/main" xmlns="" id="{34A17ED2-1F49-304C-B176-8885B708D98B}"/>
+                <a16:creationId xmlns="" xmlns:a16="http://schemas.microsoft.com/office/drawing/2014/main" id="{34A17ED2-1F49-304C-B176-8885B708D98B}"/>
               </a:ext>
             </a:extLst>
           </p:cNvPr>
@@ -1789,7 +1790,7 @@
           <p:cNvPr id="4" name="Picture Placeholder 3">
             <a:extLst>
               <a:ext uri="{FF2B5EF4-FFF2-40B4-BE49-F238E27FC236}">
-                <a16:creationId xmlns:a16="http://schemas.microsoft.com/office/drawing/2014/main" xmlns="" id="{DF766909-44DB-9549-ADCF-19CC899418E8}"/>
+                <a16:creationId xmlns="" xmlns:a16="http://schemas.microsoft.com/office/drawing/2014/main" id="{DF766909-44DB-9549-ADCF-19CC899418E8}"/>
               </a:ext>
             </a:extLst>
           </p:cNvPr>
@@ -1830,7 +1831,7 @@
           <p:cNvPr id="3" name="Title 2">
             <a:extLst>
               <a:ext uri="{FF2B5EF4-FFF2-40B4-BE49-F238E27FC236}">
-                <a16:creationId xmlns:a16="http://schemas.microsoft.com/office/drawing/2014/main" xmlns="" id="{5F512EF0-3128-1948-8DEE-A680AC1DE3CF}"/>
+                <a16:creationId xmlns="" xmlns:a16="http://schemas.microsoft.com/office/drawing/2014/main" id="{5F512EF0-3128-1948-8DEE-A680AC1DE3CF}"/>
               </a:ext>
             </a:extLst>
           </p:cNvPr>
@@ -1893,7 +1894,7 @@
           <p:cNvPr id="2" name="Title 1">
             <a:extLst>
               <a:ext uri="{FF2B5EF4-FFF2-40B4-BE49-F238E27FC236}">
-                <a16:creationId xmlns:a16="http://schemas.microsoft.com/office/drawing/2014/main" xmlns="" id="{34A17ED2-1F49-304C-B176-8885B708D98B}"/>
+                <a16:creationId xmlns="" xmlns:a16="http://schemas.microsoft.com/office/drawing/2014/main" id="{34A17ED2-1F49-304C-B176-8885B708D98B}"/>
               </a:ext>
             </a:extLst>
           </p:cNvPr>
@@ -1921,7 +1922,7 @@
           <p:cNvPr id="4" name="Picture Placeholder 3">
             <a:extLst>
               <a:ext uri="{FF2B5EF4-FFF2-40B4-BE49-F238E27FC236}">
-                <a16:creationId xmlns:a16="http://schemas.microsoft.com/office/drawing/2014/main" xmlns="" id="{9FEE40CE-0D51-BF44-B6C8-6987BDF05B25}"/>
+                <a16:creationId xmlns="" xmlns:a16="http://schemas.microsoft.com/office/drawing/2014/main" id="{9FEE40CE-0D51-BF44-B6C8-6987BDF05B25}"/>
               </a:ext>
             </a:extLst>
           </p:cNvPr>
@@ -1975,7 +1976,7 @@
           <p:cNvPr id="5" name="Picture Placeholder 3">
             <a:extLst>
               <a:ext uri="{FF2B5EF4-FFF2-40B4-BE49-F238E27FC236}">
-                <a16:creationId xmlns:a16="http://schemas.microsoft.com/office/drawing/2014/main" xmlns="" id="{6700C515-77F4-B642-89AB-92FE32D4ED72}"/>
+                <a16:creationId xmlns="" xmlns:a16="http://schemas.microsoft.com/office/drawing/2014/main" id="{6700C515-77F4-B642-89AB-92FE32D4ED72}"/>
               </a:ext>
             </a:extLst>
           </p:cNvPr>
@@ -2029,7 +2030,7 @@
           <p:cNvPr id="6" name="Picture Placeholder 3">
             <a:extLst>
               <a:ext uri="{FF2B5EF4-FFF2-40B4-BE49-F238E27FC236}">
-                <a16:creationId xmlns:a16="http://schemas.microsoft.com/office/drawing/2014/main" xmlns="" id="{9C728DD3-34F2-F74A-93BC-A0488ABC24D7}"/>
+                <a16:creationId xmlns="" xmlns:a16="http://schemas.microsoft.com/office/drawing/2014/main" id="{9C728DD3-34F2-F74A-93BC-A0488ABC24D7}"/>
               </a:ext>
             </a:extLst>
           </p:cNvPr>
@@ -2083,7 +2084,7 @@
           <p:cNvPr id="7" name="Picture Placeholder 3">
             <a:extLst>
               <a:ext uri="{FF2B5EF4-FFF2-40B4-BE49-F238E27FC236}">
-                <a16:creationId xmlns:a16="http://schemas.microsoft.com/office/drawing/2014/main" xmlns="" id="{D41F80EF-9D98-364A-A76A-3F91F086DF36}"/>
+                <a16:creationId xmlns="" xmlns:a16="http://schemas.microsoft.com/office/drawing/2014/main" id="{D41F80EF-9D98-364A-A76A-3F91F086DF36}"/>
               </a:ext>
             </a:extLst>
           </p:cNvPr>
@@ -2137,7 +2138,7 @@
           <p:cNvPr id="8" name="Picture Placeholder 3">
             <a:extLst>
               <a:ext uri="{FF2B5EF4-FFF2-40B4-BE49-F238E27FC236}">
-                <a16:creationId xmlns:a16="http://schemas.microsoft.com/office/drawing/2014/main" xmlns="" id="{22CBD5CF-F657-9740-BF20-F7CE966B9BAE}"/>
+                <a16:creationId xmlns="" xmlns:a16="http://schemas.microsoft.com/office/drawing/2014/main" id="{22CBD5CF-F657-9740-BF20-F7CE966B9BAE}"/>
               </a:ext>
             </a:extLst>
           </p:cNvPr>
@@ -2191,7 +2192,7 @@
           <p:cNvPr id="9" name="Picture Placeholder 3">
             <a:extLst>
               <a:ext uri="{FF2B5EF4-FFF2-40B4-BE49-F238E27FC236}">
-                <a16:creationId xmlns:a16="http://schemas.microsoft.com/office/drawing/2014/main" xmlns="" id="{C46867EC-2744-5642-8558-21CCF1869C2F}"/>
+                <a16:creationId xmlns="" xmlns:a16="http://schemas.microsoft.com/office/drawing/2014/main" id="{C46867EC-2744-5642-8558-21CCF1869C2F}"/>
               </a:ext>
             </a:extLst>
           </p:cNvPr>
@@ -2245,7 +2246,7 @@
           <p:cNvPr id="10" name="Picture Placeholder 3">
             <a:extLst>
               <a:ext uri="{FF2B5EF4-FFF2-40B4-BE49-F238E27FC236}">
-                <a16:creationId xmlns:a16="http://schemas.microsoft.com/office/drawing/2014/main" xmlns="" id="{A427D588-4376-FF4F-86F5-C2447EFB4CFA}"/>
+                <a16:creationId xmlns="" xmlns:a16="http://schemas.microsoft.com/office/drawing/2014/main" id="{A427D588-4376-FF4F-86F5-C2447EFB4CFA}"/>
               </a:ext>
             </a:extLst>
           </p:cNvPr>
@@ -2299,7 +2300,7 @@
           <p:cNvPr id="11" name="Picture Placeholder 3">
             <a:extLst>
               <a:ext uri="{FF2B5EF4-FFF2-40B4-BE49-F238E27FC236}">
-                <a16:creationId xmlns:a16="http://schemas.microsoft.com/office/drawing/2014/main" xmlns="" id="{052D1587-00E5-8B4B-8922-CE914A647316}"/>
+                <a16:creationId xmlns="" xmlns:a16="http://schemas.microsoft.com/office/drawing/2014/main" id="{052D1587-00E5-8B4B-8922-CE914A647316}"/>
               </a:ext>
             </a:extLst>
           </p:cNvPr>
@@ -2383,7 +2384,7 @@
           <p:cNvPr id="5" name="Picture Placeholder 4">
             <a:extLst>
               <a:ext uri="{FF2B5EF4-FFF2-40B4-BE49-F238E27FC236}">
-                <a16:creationId xmlns:a16="http://schemas.microsoft.com/office/drawing/2014/main" xmlns="" id="{710C8568-ABDE-3C4F-9315-E657905AFAD2}"/>
+                <a16:creationId xmlns="" xmlns:a16="http://schemas.microsoft.com/office/drawing/2014/main" id="{710C8568-ABDE-3C4F-9315-E657905AFAD2}"/>
               </a:ext>
             </a:extLst>
           </p:cNvPr>
@@ -2464,7 +2465,7 @@
           <p:cNvPr id="2" name="Title 1">
             <a:extLst>
               <a:ext uri="{FF2B5EF4-FFF2-40B4-BE49-F238E27FC236}">
-                <a16:creationId xmlns:a16="http://schemas.microsoft.com/office/drawing/2014/main" xmlns="" id="{34A17ED2-1F49-304C-B176-8885B708D98B}"/>
+                <a16:creationId xmlns="" xmlns:a16="http://schemas.microsoft.com/office/drawing/2014/main" id="{34A17ED2-1F49-304C-B176-8885B708D98B}"/>
               </a:ext>
             </a:extLst>
           </p:cNvPr>
@@ -2527,7 +2528,7 @@
           <p:cNvPr id="3" name="Title 2">
             <a:extLst>
               <a:ext uri="{FF2B5EF4-FFF2-40B4-BE49-F238E27FC236}">
-                <a16:creationId xmlns:a16="http://schemas.microsoft.com/office/drawing/2014/main" xmlns="" id="{5F512EF0-3128-1948-8DEE-A680AC1DE3CF}"/>
+                <a16:creationId xmlns="" xmlns:a16="http://schemas.microsoft.com/office/drawing/2014/main" id="{5F512EF0-3128-1948-8DEE-A680AC1DE3CF}"/>
               </a:ext>
             </a:extLst>
           </p:cNvPr>
@@ -2560,7 +2561,7 @@
           <p:cNvPr id="5" name="Picture Placeholder 4">
             <a:extLst>
               <a:ext uri="{FF2B5EF4-FFF2-40B4-BE49-F238E27FC236}">
-                <a16:creationId xmlns:a16="http://schemas.microsoft.com/office/drawing/2014/main" xmlns="" id="{7729F62C-8008-1C42-82ED-88FB16ADB650}"/>
+                <a16:creationId xmlns="" xmlns:a16="http://schemas.microsoft.com/office/drawing/2014/main" id="{7729F62C-8008-1C42-82ED-88FB16ADB650}"/>
               </a:ext>
             </a:extLst>
           </p:cNvPr>
@@ -2671,7 +2672,7 @@
           <p:cNvPr id="4" name="Picture Placeholder 3">
             <a:extLst>
               <a:ext uri="{FF2B5EF4-FFF2-40B4-BE49-F238E27FC236}">
-                <a16:creationId xmlns:a16="http://schemas.microsoft.com/office/drawing/2014/main" xmlns="" id="{DF766909-44DB-9549-ADCF-19CC899418E8}"/>
+                <a16:creationId xmlns="" xmlns:a16="http://schemas.microsoft.com/office/drawing/2014/main" id="{DF766909-44DB-9549-ADCF-19CC899418E8}"/>
               </a:ext>
             </a:extLst>
           </p:cNvPr>
@@ -2712,7 +2713,7 @@
           <p:cNvPr id="3" name="Title 2">
             <a:extLst>
               <a:ext uri="{FF2B5EF4-FFF2-40B4-BE49-F238E27FC236}">
-                <a16:creationId xmlns:a16="http://schemas.microsoft.com/office/drawing/2014/main" xmlns="" id="{801F7B45-A5AB-024B-B5A5-1427BB3795CC}"/>
+                <a16:creationId xmlns="" xmlns:a16="http://schemas.microsoft.com/office/drawing/2014/main" id="{801F7B45-A5AB-024B-B5A5-1427BB3795CC}"/>
               </a:ext>
             </a:extLst>
           </p:cNvPr>
@@ -2775,7 +2776,7 @@
           <p:cNvPr id="4" name="Picture Placeholder 3">
             <a:extLst>
               <a:ext uri="{FF2B5EF4-FFF2-40B4-BE49-F238E27FC236}">
-                <a16:creationId xmlns:a16="http://schemas.microsoft.com/office/drawing/2014/main" xmlns="" id="{DF766909-44DB-9549-ADCF-19CC899418E8}"/>
+                <a16:creationId xmlns="" xmlns:a16="http://schemas.microsoft.com/office/drawing/2014/main" id="{DF766909-44DB-9549-ADCF-19CC899418E8}"/>
               </a:ext>
             </a:extLst>
           </p:cNvPr>
@@ -2819,7 +2820,7 @@
           <p:cNvPr id="3" name="Title 2">
             <a:extLst>
               <a:ext uri="{FF2B5EF4-FFF2-40B4-BE49-F238E27FC236}">
-                <a16:creationId xmlns:a16="http://schemas.microsoft.com/office/drawing/2014/main" xmlns="" id="{801F7B45-A5AB-024B-B5A5-1427BB3795CC}"/>
+                <a16:creationId xmlns="" xmlns:a16="http://schemas.microsoft.com/office/drawing/2014/main" id="{801F7B45-A5AB-024B-B5A5-1427BB3795CC}"/>
               </a:ext>
             </a:extLst>
           </p:cNvPr>
@@ -2882,7 +2883,7 @@
           <p:cNvPr id="4" name="Picture Placeholder 3">
             <a:extLst>
               <a:ext uri="{FF2B5EF4-FFF2-40B4-BE49-F238E27FC236}">
-                <a16:creationId xmlns:a16="http://schemas.microsoft.com/office/drawing/2014/main" xmlns="" id="{DF766909-44DB-9549-ADCF-19CC899418E8}"/>
+                <a16:creationId xmlns="" xmlns:a16="http://schemas.microsoft.com/office/drawing/2014/main" id="{DF766909-44DB-9549-ADCF-19CC899418E8}"/>
               </a:ext>
             </a:extLst>
           </p:cNvPr>
@@ -2926,7 +2927,7 @@
           <p:cNvPr id="3" name="Title 2">
             <a:extLst>
               <a:ext uri="{FF2B5EF4-FFF2-40B4-BE49-F238E27FC236}">
-                <a16:creationId xmlns:a16="http://schemas.microsoft.com/office/drawing/2014/main" xmlns="" id="{801F7B45-A5AB-024B-B5A5-1427BB3795CC}"/>
+                <a16:creationId xmlns="" xmlns:a16="http://schemas.microsoft.com/office/drawing/2014/main" id="{801F7B45-A5AB-024B-B5A5-1427BB3795CC}"/>
               </a:ext>
             </a:extLst>
           </p:cNvPr>
@@ -2989,7 +2990,7 @@
           <p:cNvPr id="6" name="Picture Placeholder 5">
             <a:extLst>
               <a:ext uri="{FF2B5EF4-FFF2-40B4-BE49-F238E27FC236}">
-                <a16:creationId xmlns:a16="http://schemas.microsoft.com/office/drawing/2014/main" xmlns="" id="{01FD0BFE-ED58-F44A-9305-1A73BAD2622C}"/>
+                <a16:creationId xmlns="" xmlns:a16="http://schemas.microsoft.com/office/drawing/2014/main" id="{01FD0BFE-ED58-F44A-9305-1A73BAD2622C}"/>
               </a:ext>
             </a:extLst>
           </p:cNvPr>
@@ -3035,7 +3036,7 @@
           <p:cNvPr id="3" name="Title 2">
             <a:extLst>
               <a:ext uri="{FF2B5EF4-FFF2-40B4-BE49-F238E27FC236}">
-                <a16:creationId xmlns:a16="http://schemas.microsoft.com/office/drawing/2014/main" xmlns="" id="{801F7B45-A5AB-024B-B5A5-1427BB3795CC}"/>
+                <a16:creationId xmlns="" xmlns:a16="http://schemas.microsoft.com/office/drawing/2014/main" id="{801F7B45-A5AB-024B-B5A5-1427BB3795CC}"/>
               </a:ext>
             </a:extLst>
           </p:cNvPr>
@@ -3098,7 +3099,7 @@
           <p:cNvPr id="9" name="Picture Placeholder 8">
             <a:extLst>
               <a:ext uri="{FF2B5EF4-FFF2-40B4-BE49-F238E27FC236}">
-                <a16:creationId xmlns:a16="http://schemas.microsoft.com/office/drawing/2014/main" xmlns="" id="{115260DC-CF76-A74F-86F4-D6395697FE8A}"/>
+                <a16:creationId xmlns="" xmlns:a16="http://schemas.microsoft.com/office/drawing/2014/main" id="{115260DC-CF76-A74F-86F4-D6395697FE8A}"/>
               </a:ext>
             </a:extLst>
           </p:cNvPr>
@@ -3144,7 +3145,7 @@
           <p:cNvPr id="3" name="Title 2">
             <a:extLst>
               <a:ext uri="{FF2B5EF4-FFF2-40B4-BE49-F238E27FC236}">
-                <a16:creationId xmlns:a16="http://schemas.microsoft.com/office/drawing/2014/main" xmlns="" id="{801F7B45-A5AB-024B-B5A5-1427BB3795CC}"/>
+                <a16:creationId xmlns="" xmlns:a16="http://schemas.microsoft.com/office/drawing/2014/main" id="{801F7B45-A5AB-024B-B5A5-1427BB3795CC}"/>
               </a:ext>
             </a:extLst>
           </p:cNvPr>
@@ -3177,7 +3178,7 @@
           <p:cNvPr id="10" name="Picture Placeholder 9">
             <a:extLst>
               <a:ext uri="{FF2B5EF4-FFF2-40B4-BE49-F238E27FC236}">
-                <a16:creationId xmlns:a16="http://schemas.microsoft.com/office/drawing/2014/main" xmlns="" id="{C7ED2C49-3A4A-8945-91DE-3569E273C445}"/>
+                <a16:creationId xmlns="" xmlns:a16="http://schemas.microsoft.com/office/drawing/2014/main" id="{C7ED2C49-3A4A-8945-91DE-3569E273C445}"/>
               </a:ext>
             </a:extLst>
           </p:cNvPr>
@@ -3253,7 +3254,7 @@
           <p:cNvPr id="4" name="Picture Placeholder 3">
             <a:extLst>
               <a:ext uri="{FF2B5EF4-FFF2-40B4-BE49-F238E27FC236}">
-                <a16:creationId xmlns:a16="http://schemas.microsoft.com/office/drawing/2014/main" xmlns="" id="{DF766909-44DB-9549-ADCF-19CC899418E8}"/>
+                <a16:creationId xmlns="" xmlns:a16="http://schemas.microsoft.com/office/drawing/2014/main" id="{DF766909-44DB-9549-ADCF-19CC899418E8}"/>
               </a:ext>
             </a:extLst>
           </p:cNvPr>
@@ -3363,7 +3364,7 @@
           <p:cNvPr id="2" name="Title 1">
             <a:extLst>
               <a:ext uri="{FF2B5EF4-FFF2-40B4-BE49-F238E27FC236}">
-                <a16:creationId xmlns:a16="http://schemas.microsoft.com/office/drawing/2014/main" xmlns="" id="{34A17ED2-1F49-304C-B176-8885B708D98B}"/>
+                <a16:creationId xmlns="" xmlns:a16="http://schemas.microsoft.com/office/drawing/2014/main" id="{34A17ED2-1F49-304C-B176-8885B708D98B}"/>
               </a:ext>
             </a:extLst>
           </p:cNvPr>
@@ -3426,7 +3427,7 @@
           <p:cNvPr id="2" name="Title 1">
             <a:extLst>
               <a:ext uri="{FF2B5EF4-FFF2-40B4-BE49-F238E27FC236}">
-                <a16:creationId xmlns:a16="http://schemas.microsoft.com/office/drawing/2014/main" xmlns="" id="{34A17ED2-1F49-304C-B176-8885B708D98B}"/>
+                <a16:creationId xmlns="" xmlns:a16="http://schemas.microsoft.com/office/drawing/2014/main" id="{34A17ED2-1F49-304C-B176-8885B708D98B}"/>
               </a:ext>
             </a:extLst>
           </p:cNvPr>
@@ -3454,7 +3455,7 @@
           <p:cNvPr id="3" name="Group 2">
             <a:extLst>
               <a:ext uri="{FF2B5EF4-FFF2-40B4-BE49-F238E27FC236}">
-                <a16:creationId xmlns:a16="http://schemas.microsoft.com/office/drawing/2014/main" xmlns="" id="{123B5DD0-7255-1D43-A127-4F16E60B7978}"/>
+                <a16:creationId xmlns="" xmlns:a16="http://schemas.microsoft.com/office/drawing/2014/main" id="{123B5DD0-7255-1D43-A127-4F16E60B7978}"/>
               </a:ext>
             </a:extLst>
           </p:cNvPr>
@@ -3474,7 +3475,7 @@
             <p:cNvPr id="4" name="Rectangle 3">
               <a:extLst>
                 <a:ext uri="{FF2B5EF4-FFF2-40B4-BE49-F238E27FC236}">
-                  <a16:creationId xmlns:a16="http://schemas.microsoft.com/office/drawing/2014/main" xmlns="" id="{39D4B2BB-C8B0-3E4D-A5F1-8E4C6BE1CE85}"/>
+                  <a16:creationId xmlns="" xmlns:a16="http://schemas.microsoft.com/office/drawing/2014/main" id="{39D4B2BB-C8B0-3E4D-A5F1-8E4C6BE1CE85}"/>
                 </a:ext>
               </a:extLst>
             </p:cNvPr>
@@ -3530,7 +3531,7 @@
             <p:cNvPr id="5" name="Rectangle 4">
               <a:extLst>
                 <a:ext uri="{FF2B5EF4-FFF2-40B4-BE49-F238E27FC236}">
-                  <a16:creationId xmlns:a16="http://schemas.microsoft.com/office/drawing/2014/main" xmlns="" id="{40ECFD78-D5F7-D446-B7D1-368EA13452E7}"/>
+                  <a16:creationId xmlns="" xmlns:a16="http://schemas.microsoft.com/office/drawing/2014/main" id="{40ECFD78-D5F7-D446-B7D1-368EA13452E7}"/>
                 </a:ext>
               </a:extLst>
             </p:cNvPr>
@@ -3586,7 +3587,7 @@
             <p:cNvPr id="6" name="Rectangle 5">
               <a:extLst>
                 <a:ext uri="{FF2B5EF4-FFF2-40B4-BE49-F238E27FC236}">
-                  <a16:creationId xmlns:a16="http://schemas.microsoft.com/office/drawing/2014/main" xmlns="" id="{0FFE2605-23F0-FC42-A2C8-9C97170C5FE7}"/>
+                  <a16:creationId xmlns="" xmlns:a16="http://schemas.microsoft.com/office/drawing/2014/main" id="{0FFE2605-23F0-FC42-A2C8-9C97170C5FE7}"/>
                 </a:ext>
               </a:extLst>
             </p:cNvPr>
@@ -3642,7 +3643,7 @@
             <p:cNvPr id="7" name="Rectangle 6">
               <a:extLst>
                 <a:ext uri="{FF2B5EF4-FFF2-40B4-BE49-F238E27FC236}">
-                  <a16:creationId xmlns:a16="http://schemas.microsoft.com/office/drawing/2014/main" xmlns="" id="{4FA25255-EA77-064C-89FB-388DBB57E94A}"/>
+                  <a16:creationId xmlns="" xmlns:a16="http://schemas.microsoft.com/office/drawing/2014/main" id="{4FA25255-EA77-064C-89FB-388DBB57E94A}"/>
                 </a:ext>
               </a:extLst>
             </p:cNvPr>
@@ -3699,7 +3700,7 @@
           <p:cNvPr id="8" name="Group 7">
             <a:extLst>
               <a:ext uri="{FF2B5EF4-FFF2-40B4-BE49-F238E27FC236}">
-                <a16:creationId xmlns:a16="http://schemas.microsoft.com/office/drawing/2014/main" xmlns="" id="{C33CC83F-CB96-334F-83C7-B43B4E7B947A}"/>
+                <a16:creationId xmlns="" xmlns:a16="http://schemas.microsoft.com/office/drawing/2014/main" id="{C33CC83F-CB96-334F-83C7-B43B4E7B947A}"/>
               </a:ext>
             </a:extLst>
           </p:cNvPr>
@@ -3719,7 +3720,7 @@
             <p:cNvPr id="9" name="Rectangle 8">
               <a:extLst>
                 <a:ext uri="{FF2B5EF4-FFF2-40B4-BE49-F238E27FC236}">
-                  <a16:creationId xmlns:a16="http://schemas.microsoft.com/office/drawing/2014/main" xmlns="" id="{892BAD0E-21E3-C74E-89F1-D29B364D5C00}"/>
+                  <a16:creationId xmlns="" xmlns:a16="http://schemas.microsoft.com/office/drawing/2014/main" id="{892BAD0E-21E3-C74E-89F1-D29B364D5C00}"/>
                 </a:ext>
               </a:extLst>
             </p:cNvPr>
@@ -3771,7 +3772,7 @@
             <p:cNvPr id="10" name="Rectangle 9">
               <a:extLst>
                 <a:ext uri="{FF2B5EF4-FFF2-40B4-BE49-F238E27FC236}">
-                  <a16:creationId xmlns:a16="http://schemas.microsoft.com/office/drawing/2014/main" xmlns="" id="{615C7610-DF9F-9E49-BC50-D2B9DAB2DF71}"/>
+                  <a16:creationId xmlns="" xmlns:a16="http://schemas.microsoft.com/office/drawing/2014/main" id="{615C7610-DF9F-9E49-BC50-D2B9DAB2DF71}"/>
                 </a:ext>
               </a:extLst>
             </p:cNvPr>
@@ -3820,7 +3821,7 @@
             <p:cNvPr id="11" name="Rectangle 10">
               <a:extLst>
                 <a:ext uri="{FF2B5EF4-FFF2-40B4-BE49-F238E27FC236}">
-                  <a16:creationId xmlns:a16="http://schemas.microsoft.com/office/drawing/2014/main" xmlns="" id="{A4742E82-71A4-B440-9328-C78220EA5867}"/>
+                  <a16:creationId xmlns="" xmlns:a16="http://schemas.microsoft.com/office/drawing/2014/main" id="{A4742E82-71A4-B440-9328-C78220EA5867}"/>
                 </a:ext>
               </a:extLst>
             </p:cNvPr>
@@ -3872,7 +3873,7 @@
             <p:cNvPr id="12" name="Rectangle 11">
               <a:extLst>
                 <a:ext uri="{FF2B5EF4-FFF2-40B4-BE49-F238E27FC236}">
-                  <a16:creationId xmlns:a16="http://schemas.microsoft.com/office/drawing/2014/main" xmlns="" id="{3C722F8D-812C-644E-A964-3D577A4ED23E}"/>
+                  <a16:creationId xmlns="" xmlns:a16="http://schemas.microsoft.com/office/drawing/2014/main" id="{3C722F8D-812C-644E-A964-3D577A4ED23E}"/>
                 </a:ext>
               </a:extLst>
             </p:cNvPr>
@@ -3925,7 +3926,7 @@
           <p:cNvPr id="14" name="Picture Placeholder 13">
             <a:extLst>
               <a:ext uri="{FF2B5EF4-FFF2-40B4-BE49-F238E27FC236}">
-                <a16:creationId xmlns:a16="http://schemas.microsoft.com/office/drawing/2014/main" xmlns="" id="{267D3CDF-A53C-3446-8AC6-96FF552F68FC}"/>
+                <a16:creationId xmlns="" xmlns:a16="http://schemas.microsoft.com/office/drawing/2014/main" id="{267D3CDF-A53C-3446-8AC6-96FF552F68FC}"/>
               </a:ext>
             </a:extLst>
           </p:cNvPr>
@@ -3966,7 +3967,7 @@
           <p:cNvPr id="15" name="Picture Placeholder 13">
             <a:extLst>
               <a:ext uri="{FF2B5EF4-FFF2-40B4-BE49-F238E27FC236}">
-                <a16:creationId xmlns:a16="http://schemas.microsoft.com/office/drawing/2014/main" xmlns="" id="{FDD411F3-9A23-DE4B-8641-B77DDF0A9073}"/>
+                <a16:creationId xmlns="" xmlns:a16="http://schemas.microsoft.com/office/drawing/2014/main" id="{FDD411F3-9A23-DE4B-8641-B77DDF0A9073}"/>
               </a:ext>
             </a:extLst>
           </p:cNvPr>
@@ -4007,7 +4008,7 @@
           <p:cNvPr id="16" name="Picture Placeholder 13">
             <a:extLst>
               <a:ext uri="{FF2B5EF4-FFF2-40B4-BE49-F238E27FC236}">
-                <a16:creationId xmlns:a16="http://schemas.microsoft.com/office/drawing/2014/main" xmlns="" id="{8658E20A-73FB-D54A-B877-9C6E47FBCCCC}"/>
+                <a16:creationId xmlns="" xmlns:a16="http://schemas.microsoft.com/office/drawing/2014/main" id="{8658E20A-73FB-D54A-B877-9C6E47FBCCCC}"/>
               </a:ext>
             </a:extLst>
           </p:cNvPr>
@@ -4048,7 +4049,7 @@
           <p:cNvPr id="17" name="Picture Placeholder 13">
             <a:extLst>
               <a:ext uri="{FF2B5EF4-FFF2-40B4-BE49-F238E27FC236}">
-                <a16:creationId xmlns:a16="http://schemas.microsoft.com/office/drawing/2014/main" xmlns="" id="{F0208D26-8739-8344-A3A7-FE9645DEC622}"/>
+                <a16:creationId xmlns="" xmlns:a16="http://schemas.microsoft.com/office/drawing/2014/main" id="{F0208D26-8739-8344-A3A7-FE9645DEC622}"/>
               </a:ext>
             </a:extLst>
           </p:cNvPr>
@@ -4119,7 +4120,7 @@
           <p:cNvPr id="14" name="Picture Placeholder 13">
             <a:extLst>
               <a:ext uri="{FF2B5EF4-FFF2-40B4-BE49-F238E27FC236}">
-                <a16:creationId xmlns:a16="http://schemas.microsoft.com/office/drawing/2014/main" xmlns="" id="{267D3CDF-A53C-3446-8AC6-96FF552F68FC}"/>
+                <a16:creationId xmlns="" xmlns:a16="http://schemas.microsoft.com/office/drawing/2014/main" id="{267D3CDF-A53C-3446-8AC6-96FF552F68FC}"/>
               </a:ext>
             </a:extLst>
           </p:cNvPr>
@@ -4165,7 +4166,7 @@
           <p:cNvPr id="15" name="Picture Placeholder 13">
             <a:extLst>
               <a:ext uri="{FF2B5EF4-FFF2-40B4-BE49-F238E27FC236}">
-                <a16:creationId xmlns:a16="http://schemas.microsoft.com/office/drawing/2014/main" xmlns="" id="{FDD411F3-9A23-DE4B-8641-B77DDF0A9073}"/>
+                <a16:creationId xmlns="" xmlns:a16="http://schemas.microsoft.com/office/drawing/2014/main" id="{FDD411F3-9A23-DE4B-8641-B77DDF0A9073}"/>
               </a:ext>
             </a:extLst>
           </p:cNvPr>
@@ -4211,7 +4212,7 @@
           <p:cNvPr id="16" name="Picture Placeholder 13">
             <a:extLst>
               <a:ext uri="{FF2B5EF4-FFF2-40B4-BE49-F238E27FC236}">
-                <a16:creationId xmlns:a16="http://schemas.microsoft.com/office/drawing/2014/main" xmlns="" id="{8658E20A-73FB-D54A-B877-9C6E47FBCCCC}"/>
+                <a16:creationId xmlns="" xmlns:a16="http://schemas.microsoft.com/office/drawing/2014/main" id="{8658E20A-73FB-D54A-B877-9C6E47FBCCCC}"/>
               </a:ext>
             </a:extLst>
           </p:cNvPr>
@@ -4257,7 +4258,7 @@
           <p:cNvPr id="17" name="Picture Placeholder 13">
             <a:extLst>
               <a:ext uri="{FF2B5EF4-FFF2-40B4-BE49-F238E27FC236}">
-                <a16:creationId xmlns:a16="http://schemas.microsoft.com/office/drawing/2014/main" xmlns="" id="{F0208D26-8739-8344-A3A7-FE9645DEC622}"/>
+                <a16:creationId xmlns="" xmlns:a16="http://schemas.microsoft.com/office/drawing/2014/main" id="{F0208D26-8739-8344-A3A7-FE9645DEC622}"/>
               </a:ext>
             </a:extLst>
           </p:cNvPr>
@@ -4303,7 +4304,7 @@
           <p:cNvPr id="2" name="Title 1">
             <a:extLst>
               <a:ext uri="{FF2B5EF4-FFF2-40B4-BE49-F238E27FC236}">
-                <a16:creationId xmlns:a16="http://schemas.microsoft.com/office/drawing/2014/main" xmlns="" id="{34A17ED2-1F49-304C-B176-8885B708D98B}"/>
+                <a16:creationId xmlns="" xmlns:a16="http://schemas.microsoft.com/office/drawing/2014/main" id="{34A17ED2-1F49-304C-B176-8885B708D98B}"/>
               </a:ext>
             </a:extLst>
           </p:cNvPr>
@@ -4361,7 +4362,7 @@
           <p:cNvPr id="2" name="Title 1">
             <a:extLst>
               <a:ext uri="{FF2B5EF4-FFF2-40B4-BE49-F238E27FC236}">
-                <a16:creationId xmlns:a16="http://schemas.microsoft.com/office/drawing/2014/main" xmlns="" id="{34A17ED2-1F49-304C-B176-8885B708D98B}"/>
+                <a16:creationId xmlns="" xmlns:a16="http://schemas.microsoft.com/office/drawing/2014/main" id="{34A17ED2-1F49-304C-B176-8885B708D98B}"/>
               </a:ext>
             </a:extLst>
           </p:cNvPr>
@@ -4389,7 +4390,7 @@
           <p:cNvPr id="4" name="Picture Placeholder 3">
             <a:extLst>
               <a:ext uri="{FF2B5EF4-FFF2-40B4-BE49-F238E27FC236}">
-                <a16:creationId xmlns:a16="http://schemas.microsoft.com/office/drawing/2014/main" xmlns="" id="{9FEE40CE-0D51-BF44-B6C8-6987BDF05B25}"/>
+                <a16:creationId xmlns="" xmlns:a16="http://schemas.microsoft.com/office/drawing/2014/main" id="{9FEE40CE-0D51-BF44-B6C8-6987BDF05B25}"/>
               </a:ext>
             </a:extLst>
           </p:cNvPr>
@@ -4443,7 +4444,7 @@
           <p:cNvPr id="5" name="Picture Placeholder 3">
             <a:extLst>
               <a:ext uri="{FF2B5EF4-FFF2-40B4-BE49-F238E27FC236}">
-                <a16:creationId xmlns:a16="http://schemas.microsoft.com/office/drawing/2014/main" xmlns="" id="{6700C515-77F4-B642-89AB-92FE32D4ED72}"/>
+                <a16:creationId xmlns="" xmlns:a16="http://schemas.microsoft.com/office/drawing/2014/main" id="{6700C515-77F4-B642-89AB-92FE32D4ED72}"/>
               </a:ext>
             </a:extLst>
           </p:cNvPr>
@@ -4497,7 +4498,7 @@
           <p:cNvPr id="6" name="Picture Placeholder 3">
             <a:extLst>
               <a:ext uri="{FF2B5EF4-FFF2-40B4-BE49-F238E27FC236}">
-                <a16:creationId xmlns:a16="http://schemas.microsoft.com/office/drawing/2014/main" xmlns="" id="{9C728DD3-34F2-F74A-93BC-A0488ABC24D7}"/>
+                <a16:creationId xmlns="" xmlns:a16="http://schemas.microsoft.com/office/drawing/2014/main" id="{9C728DD3-34F2-F74A-93BC-A0488ABC24D7}"/>
               </a:ext>
             </a:extLst>
           </p:cNvPr>
@@ -4551,7 +4552,7 @@
           <p:cNvPr id="7" name="Picture Placeholder 3">
             <a:extLst>
               <a:ext uri="{FF2B5EF4-FFF2-40B4-BE49-F238E27FC236}">
-                <a16:creationId xmlns:a16="http://schemas.microsoft.com/office/drawing/2014/main" xmlns="" id="{D41F80EF-9D98-364A-A76A-3F91F086DF36}"/>
+                <a16:creationId xmlns="" xmlns:a16="http://schemas.microsoft.com/office/drawing/2014/main" id="{D41F80EF-9D98-364A-A76A-3F91F086DF36}"/>
               </a:ext>
             </a:extLst>
           </p:cNvPr>
@@ -4635,7 +4636,7 @@
           <p:cNvPr id="14" name="Picture Placeholder 13">
             <a:extLst>
               <a:ext uri="{FF2B5EF4-FFF2-40B4-BE49-F238E27FC236}">
-                <a16:creationId xmlns:a16="http://schemas.microsoft.com/office/drawing/2014/main" xmlns="" id="{267D3CDF-A53C-3446-8AC6-96FF552F68FC}"/>
+                <a16:creationId xmlns="" xmlns:a16="http://schemas.microsoft.com/office/drawing/2014/main" id="{267D3CDF-A53C-3446-8AC6-96FF552F68FC}"/>
               </a:ext>
             </a:extLst>
           </p:cNvPr>
@@ -4684,7 +4685,7 @@
           <p:cNvPr id="15" name="Picture Placeholder 13">
             <a:extLst>
               <a:ext uri="{FF2B5EF4-FFF2-40B4-BE49-F238E27FC236}">
-                <a16:creationId xmlns:a16="http://schemas.microsoft.com/office/drawing/2014/main" xmlns="" id="{FDD411F3-9A23-DE4B-8641-B77DDF0A9073}"/>
+                <a16:creationId xmlns="" xmlns:a16="http://schemas.microsoft.com/office/drawing/2014/main" id="{FDD411F3-9A23-DE4B-8641-B77DDF0A9073}"/>
               </a:ext>
             </a:extLst>
           </p:cNvPr>
@@ -4733,7 +4734,7 @@
           <p:cNvPr id="16" name="Picture Placeholder 13">
             <a:extLst>
               <a:ext uri="{FF2B5EF4-FFF2-40B4-BE49-F238E27FC236}">
-                <a16:creationId xmlns:a16="http://schemas.microsoft.com/office/drawing/2014/main" xmlns="" id="{8658E20A-73FB-D54A-B877-9C6E47FBCCCC}"/>
+                <a16:creationId xmlns="" xmlns:a16="http://schemas.microsoft.com/office/drawing/2014/main" id="{8658E20A-73FB-D54A-B877-9C6E47FBCCCC}"/>
               </a:ext>
             </a:extLst>
           </p:cNvPr>
@@ -4782,7 +4783,7 @@
           <p:cNvPr id="17" name="Picture Placeholder 13">
             <a:extLst>
               <a:ext uri="{FF2B5EF4-FFF2-40B4-BE49-F238E27FC236}">
-                <a16:creationId xmlns:a16="http://schemas.microsoft.com/office/drawing/2014/main" xmlns="" id="{F0208D26-8739-8344-A3A7-FE9645DEC622}"/>
+                <a16:creationId xmlns="" xmlns:a16="http://schemas.microsoft.com/office/drawing/2014/main" id="{F0208D26-8739-8344-A3A7-FE9645DEC622}"/>
               </a:ext>
             </a:extLst>
           </p:cNvPr>
@@ -4831,7 +4832,7 @@
           <p:cNvPr id="2" name="Title 1">
             <a:extLst>
               <a:ext uri="{FF2B5EF4-FFF2-40B4-BE49-F238E27FC236}">
-                <a16:creationId xmlns:a16="http://schemas.microsoft.com/office/drawing/2014/main" xmlns="" id="{34A17ED2-1F49-304C-B176-8885B708D98B}"/>
+                <a16:creationId xmlns="" xmlns:a16="http://schemas.microsoft.com/office/drawing/2014/main" id="{34A17ED2-1F49-304C-B176-8885B708D98B}"/>
               </a:ext>
             </a:extLst>
           </p:cNvPr>
@@ -4889,7 +4890,7 @@
           <p:cNvPr id="14" name="Picture Placeholder 13">
             <a:extLst>
               <a:ext uri="{FF2B5EF4-FFF2-40B4-BE49-F238E27FC236}">
-                <a16:creationId xmlns:a16="http://schemas.microsoft.com/office/drawing/2014/main" xmlns="" id="{267D3CDF-A53C-3446-8AC6-96FF552F68FC}"/>
+                <a16:creationId xmlns="" xmlns:a16="http://schemas.microsoft.com/office/drawing/2014/main" id="{267D3CDF-A53C-3446-8AC6-96FF552F68FC}"/>
               </a:ext>
             </a:extLst>
           </p:cNvPr>
@@ -4938,7 +4939,7 @@
           <p:cNvPr id="15" name="Picture Placeholder 13">
             <a:extLst>
               <a:ext uri="{FF2B5EF4-FFF2-40B4-BE49-F238E27FC236}">
-                <a16:creationId xmlns:a16="http://schemas.microsoft.com/office/drawing/2014/main" xmlns="" id="{FDD411F3-9A23-DE4B-8641-B77DDF0A9073}"/>
+                <a16:creationId xmlns="" xmlns:a16="http://schemas.microsoft.com/office/drawing/2014/main" id="{FDD411F3-9A23-DE4B-8641-B77DDF0A9073}"/>
               </a:ext>
             </a:extLst>
           </p:cNvPr>
@@ -4987,7 +4988,7 @@
           <p:cNvPr id="16" name="Picture Placeholder 13">
             <a:extLst>
               <a:ext uri="{FF2B5EF4-FFF2-40B4-BE49-F238E27FC236}">
-                <a16:creationId xmlns:a16="http://schemas.microsoft.com/office/drawing/2014/main" xmlns="" id="{8658E20A-73FB-D54A-B877-9C6E47FBCCCC}"/>
+                <a16:creationId xmlns="" xmlns:a16="http://schemas.microsoft.com/office/drawing/2014/main" id="{8658E20A-73FB-D54A-B877-9C6E47FBCCCC}"/>
               </a:ext>
             </a:extLst>
           </p:cNvPr>
@@ -5036,7 +5037,7 @@
           <p:cNvPr id="17" name="Picture Placeholder 13">
             <a:extLst>
               <a:ext uri="{FF2B5EF4-FFF2-40B4-BE49-F238E27FC236}">
-                <a16:creationId xmlns:a16="http://schemas.microsoft.com/office/drawing/2014/main" xmlns="" id="{F0208D26-8739-8344-A3A7-FE9645DEC622}"/>
+                <a16:creationId xmlns="" xmlns:a16="http://schemas.microsoft.com/office/drawing/2014/main" id="{F0208D26-8739-8344-A3A7-FE9645DEC622}"/>
               </a:ext>
             </a:extLst>
           </p:cNvPr>
@@ -5085,7 +5086,7 @@
           <p:cNvPr id="2" name="Title 1">
             <a:extLst>
               <a:ext uri="{FF2B5EF4-FFF2-40B4-BE49-F238E27FC236}">
-                <a16:creationId xmlns:a16="http://schemas.microsoft.com/office/drawing/2014/main" xmlns="" id="{34A17ED2-1F49-304C-B176-8885B708D98B}"/>
+                <a16:creationId xmlns="" xmlns:a16="http://schemas.microsoft.com/office/drawing/2014/main" id="{34A17ED2-1F49-304C-B176-8885B708D98B}"/>
               </a:ext>
             </a:extLst>
           </p:cNvPr>
@@ -5143,7 +5144,7 @@
           <p:cNvPr id="2" name="Title 1">
             <a:extLst>
               <a:ext uri="{FF2B5EF4-FFF2-40B4-BE49-F238E27FC236}">
-                <a16:creationId xmlns:a16="http://schemas.microsoft.com/office/drawing/2014/main" xmlns="" id="{107C84A0-AD55-FA4E-8732-36E7357F3C67}"/>
+                <a16:creationId xmlns="" xmlns:a16="http://schemas.microsoft.com/office/drawing/2014/main" id="{107C84A0-AD55-FA4E-8732-36E7357F3C67}"/>
               </a:ext>
             </a:extLst>
           </p:cNvPr>
@@ -5180,7 +5181,7 @@
           <p:cNvPr id="3" name="Subtitle 2">
             <a:extLst>
               <a:ext uri="{FF2B5EF4-FFF2-40B4-BE49-F238E27FC236}">
-                <a16:creationId xmlns:a16="http://schemas.microsoft.com/office/drawing/2014/main" xmlns="" id="{848697B3-4866-3243-BB90-62505882CFA6}"/>
+                <a16:creationId xmlns="" xmlns:a16="http://schemas.microsoft.com/office/drawing/2014/main" id="{848697B3-4866-3243-BB90-62505882CFA6}"/>
               </a:ext>
             </a:extLst>
           </p:cNvPr>
@@ -5250,7 +5251,7 @@
           <p:cNvPr id="4" name="Date Placeholder 3">
             <a:extLst>
               <a:ext uri="{FF2B5EF4-FFF2-40B4-BE49-F238E27FC236}">
-                <a16:creationId xmlns:a16="http://schemas.microsoft.com/office/drawing/2014/main" xmlns="" id="{46F210FB-3284-424E-9FF5-3CB4ADBA72B2}"/>
+                <a16:creationId xmlns="" xmlns:a16="http://schemas.microsoft.com/office/drawing/2014/main" id="{46F210FB-3284-424E-9FF5-3CB4ADBA72B2}"/>
               </a:ext>
             </a:extLst>
           </p:cNvPr>
@@ -5268,7 +5269,7 @@
           <a:p>
             <a:fld id="{6AC19FC7-A5DE-C744-B3B5-6D0A4B6B5B2B}" type="datetimeFigureOut">
               <a:rPr lang="en-US" smtClean="0"/>
-              <a:t>12/4/2022</a:t>
+              <a:t>12/6/2022</a:t>
             </a:fld>
             <a:endParaRPr lang="en-US"/>
           </a:p>
@@ -5279,7 +5280,7 @@
           <p:cNvPr id="5" name="Footer Placeholder 4">
             <a:extLst>
               <a:ext uri="{FF2B5EF4-FFF2-40B4-BE49-F238E27FC236}">
-                <a16:creationId xmlns:a16="http://schemas.microsoft.com/office/drawing/2014/main" xmlns="" id="{8D1E9DF5-DC8B-794E-A908-4F92AEB97A56}"/>
+                <a16:creationId xmlns="" xmlns:a16="http://schemas.microsoft.com/office/drawing/2014/main" id="{8D1E9DF5-DC8B-794E-A908-4F92AEB97A56}"/>
               </a:ext>
             </a:extLst>
           </p:cNvPr>
@@ -5304,7 +5305,7 @@
           <p:cNvPr id="6" name="Slide Number Placeholder 5">
             <a:extLst>
               <a:ext uri="{FF2B5EF4-FFF2-40B4-BE49-F238E27FC236}">
-                <a16:creationId xmlns:a16="http://schemas.microsoft.com/office/drawing/2014/main" xmlns="" id="{A74C33A6-35F6-2442-9680-6D8733DA26E2}"/>
+                <a16:creationId xmlns="" xmlns:a16="http://schemas.microsoft.com/office/drawing/2014/main" id="{A74C33A6-35F6-2442-9680-6D8733DA26E2}"/>
               </a:ext>
             </a:extLst>
           </p:cNvPr>
@@ -5363,7 +5364,7 @@
           <p:cNvPr id="4" name="Picture Placeholder 3">
             <a:extLst>
               <a:ext uri="{FF2B5EF4-FFF2-40B4-BE49-F238E27FC236}">
-                <a16:creationId xmlns:a16="http://schemas.microsoft.com/office/drawing/2014/main" xmlns="" id="{C4056838-59A2-F44C-BFC0-D296D2850816}"/>
+                <a16:creationId xmlns="" xmlns:a16="http://schemas.microsoft.com/office/drawing/2014/main" id="{C4056838-59A2-F44C-BFC0-D296D2850816}"/>
               </a:ext>
             </a:extLst>
           </p:cNvPr>
@@ -5404,7 +5405,7 @@
           <p:cNvPr id="2" name="Title 1">
             <a:extLst>
               <a:ext uri="{FF2B5EF4-FFF2-40B4-BE49-F238E27FC236}">
-                <a16:creationId xmlns:a16="http://schemas.microsoft.com/office/drawing/2014/main" xmlns="" id="{34A17ED2-1F49-304C-B176-8885B708D98B}"/>
+                <a16:creationId xmlns="" xmlns:a16="http://schemas.microsoft.com/office/drawing/2014/main" id="{34A17ED2-1F49-304C-B176-8885B708D98B}"/>
               </a:ext>
             </a:extLst>
           </p:cNvPr>
@@ -5470,7 +5471,7 @@
           <p:cNvPr id="2" name="Title 1">
             <a:extLst>
               <a:ext uri="{FF2B5EF4-FFF2-40B4-BE49-F238E27FC236}">
-                <a16:creationId xmlns:a16="http://schemas.microsoft.com/office/drawing/2014/main" xmlns="" id="{34A17ED2-1F49-304C-B176-8885B708D98B}"/>
+                <a16:creationId xmlns="" xmlns:a16="http://schemas.microsoft.com/office/drawing/2014/main" id="{34A17ED2-1F49-304C-B176-8885B708D98B}"/>
               </a:ext>
             </a:extLst>
           </p:cNvPr>
@@ -5511,7 +5512,7 @@
           <p:cNvPr id="5" name="Picture Placeholder 4">
             <a:extLst>
               <a:ext uri="{FF2B5EF4-FFF2-40B4-BE49-F238E27FC236}">
-                <a16:creationId xmlns:a16="http://schemas.microsoft.com/office/drawing/2014/main" xmlns="" id="{7555AAB3-8539-8E45-920F-2977AD353A14}"/>
+                <a16:creationId xmlns="" xmlns:a16="http://schemas.microsoft.com/office/drawing/2014/main" id="{7555AAB3-8539-8E45-920F-2977AD353A14}"/>
               </a:ext>
             </a:extLst>
           </p:cNvPr>
@@ -5719,7 +5720,7 @@
           <p:cNvPr id="2" name="Title 1">
             <a:extLst>
               <a:ext uri="{FF2B5EF4-FFF2-40B4-BE49-F238E27FC236}">
-                <a16:creationId xmlns:a16="http://schemas.microsoft.com/office/drawing/2014/main" xmlns="" id="{34A17ED2-1F49-304C-B176-8885B708D98B}"/>
+                <a16:creationId xmlns="" xmlns:a16="http://schemas.microsoft.com/office/drawing/2014/main" id="{34A17ED2-1F49-304C-B176-8885B708D98B}"/>
               </a:ext>
             </a:extLst>
           </p:cNvPr>
@@ -5747,7 +5748,7 @@
           <p:cNvPr id="4" name="Picture Placeholder 6">
             <a:extLst>
               <a:ext uri="{FF2B5EF4-FFF2-40B4-BE49-F238E27FC236}">
-                <a16:creationId xmlns:a16="http://schemas.microsoft.com/office/drawing/2014/main" xmlns="" id="{9CB07F85-CE16-E64B-A3F5-2E8409872BCA}"/>
+                <a16:creationId xmlns="" xmlns:a16="http://schemas.microsoft.com/office/drawing/2014/main" id="{9CB07F85-CE16-E64B-A3F5-2E8409872BCA}"/>
               </a:ext>
             </a:extLst>
           </p:cNvPr>
@@ -5814,7 +5815,7 @@
           <p:cNvPr id="2" name="Title 1">
             <a:extLst>
               <a:ext uri="{FF2B5EF4-FFF2-40B4-BE49-F238E27FC236}">
-                <a16:creationId xmlns:a16="http://schemas.microsoft.com/office/drawing/2014/main" xmlns="" id="{34A17ED2-1F49-304C-B176-8885B708D98B}"/>
+                <a16:creationId xmlns="" xmlns:a16="http://schemas.microsoft.com/office/drawing/2014/main" id="{34A17ED2-1F49-304C-B176-8885B708D98B}"/>
               </a:ext>
             </a:extLst>
           </p:cNvPr>
@@ -5842,7 +5843,7 @@
           <p:cNvPr id="7" name="Picture Placeholder 6">
             <a:extLst>
               <a:ext uri="{FF2B5EF4-FFF2-40B4-BE49-F238E27FC236}">
-                <a16:creationId xmlns:a16="http://schemas.microsoft.com/office/drawing/2014/main" xmlns="" id="{A6E2CCB7-BCA4-2244-A3B0-1415F94EBEF2}"/>
+                <a16:creationId xmlns="" xmlns:a16="http://schemas.microsoft.com/office/drawing/2014/main" id="{A6E2CCB7-BCA4-2244-A3B0-1415F94EBEF2}"/>
               </a:ext>
             </a:extLst>
           </p:cNvPr>
@@ -5909,7 +5910,7 @@
           <p:cNvPr id="5" name="Picture 4" descr="A screen shot of a computer&#10;&#10;Description automatically generated">
             <a:extLst>
               <a:ext uri="{FF2B5EF4-FFF2-40B4-BE49-F238E27FC236}">
-                <a16:creationId xmlns:a16="http://schemas.microsoft.com/office/drawing/2014/main" xmlns="" id="{56E93F89-6F61-934E-BED2-8CBF3471A18A}"/>
+                <a16:creationId xmlns="" xmlns:a16="http://schemas.microsoft.com/office/drawing/2014/main" id="{56E93F89-6F61-934E-BED2-8CBF3471A18A}"/>
               </a:ext>
             </a:extLst>
           </p:cNvPr>
@@ -5944,7 +5945,7 @@
           <p:cNvPr id="2" name="Title 1">
             <a:extLst>
               <a:ext uri="{FF2B5EF4-FFF2-40B4-BE49-F238E27FC236}">
-                <a16:creationId xmlns:a16="http://schemas.microsoft.com/office/drawing/2014/main" xmlns="" id="{34A17ED2-1F49-304C-B176-8885B708D98B}"/>
+                <a16:creationId xmlns="" xmlns:a16="http://schemas.microsoft.com/office/drawing/2014/main" id="{34A17ED2-1F49-304C-B176-8885B708D98B}"/>
               </a:ext>
             </a:extLst>
           </p:cNvPr>
@@ -5977,7 +5978,7 @@
           <p:cNvPr id="4" name="Picture Placeholder 6">
             <a:extLst>
               <a:ext uri="{FF2B5EF4-FFF2-40B4-BE49-F238E27FC236}">
-                <a16:creationId xmlns:a16="http://schemas.microsoft.com/office/drawing/2014/main" xmlns="" id="{9CB07F85-CE16-E64B-A3F5-2E8409872BCA}"/>
+                <a16:creationId xmlns="" xmlns:a16="http://schemas.microsoft.com/office/drawing/2014/main" id="{9CB07F85-CE16-E64B-A3F5-2E8409872BCA}"/>
               </a:ext>
             </a:extLst>
           </p:cNvPr>
@@ -6044,7 +6045,7 @@
           <p:cNvPr id="9" name="Picture Placeholder 6">
             <a:extLst>
               <a:ext uri="{FF2B5EF4-FFF2-40B4-BE49-F238E27FC236}">
-                <a16:creationId xmlns:a16="http://schemas.microsoft.com/office/drawing/2014/main" xmlns="" id="{0C96F7C6-E891-3F4A-8131-15DD9EDFE55F}"/>
+                <a16:creationId xmlns="" xmlns:a16="http://schemas.microsoft.com/office/drawing/2014/main" id="{0C96F7C6-E891-3F4A-8131-15DD9EDFE55F}"/>
               </a:ext>
             </a:extLst>
           </p:cNvPr>
@@ -6077,7 +6078,7 @@
           <p:cNvPr id="6" name="Title 5">
             <a:extLst>
               <a:ext uri="{FF2B5EF4-FFF2-40B4-BE49-F238E27FC236}">
-                <a16:creationId xmlns:a16="http://schemas.microsoft.com/office/drawing/2014/main" xmlns="" id="{1D36DD2D-1DBF-5D43-AAB7-8B3606A252C2}"/>
+                <a16:creationId xmlns="" xmlns:a16="http://schemas.microsoft.com/office/drawing/2014/main" id="{1D36DD2D-1DBF-5D43-AAB7-8B3606A252C2}"/>
               </a:ext>
             </a:extLst>
           </p:cNvPr>
@@ -6140,7 +6141,7 @@
           <p:cNvPr id="2" name="Title Placeholder 1">
             <a:extLst>
               <a:ext uri="{FF2B5EF4-FFF2-40B4-BE49-F238E27FC236}">
-                <a16:creationId xmlns:a16="http://schemas.microsoft.com/office/drawing/2014/main" xmlns="" id="{795F57F0-EC96-7748-88FB-9C7250D516E9}"/>
+                <a16:creationId xmlns="" xmlns:a16="http://schemas.microsoft.com/office/drawing/2014/main" id="{795F57F0-EC96-7748-88FB-9C7250D516E9}"/>
               </a:ext>
             </a:extLst>
           </p:cNvPr>
@@ -6178,7 +6179,7 @@
           <p:cNvPr id="3" name="Text Placeholder 2">
             <a:extLst>
               <a:ext uri="{FF2B5EF4-FFF2-40B4-BE49-F238E27FC236}">
-                <a16:creationId xmlns:a16="http://schemas.microsoft.com/office/drawing/2014/main" xmlns="" id="{5D0D635D-DB65-6640-A1F3-B506A9823AFD}"/>
+                <a16:creationId xmlns="" xmlns:a16="http://schemas.microsoft.com/office/drawing/2014/main" id="{5D0D635D-DB65-6640-A1F3-B506A9823AFD}"/>
               </a:ext>
             </a:extLst>
           </p:cNvPr>
@@ -6634,7 +6635,7 @@
           <p:cNvPr id="10" name="Rectangle 9">
             <a:extLst>
               <a:ext uri="{FF2B5EF4-FFF2-40B4-BE49-F238E27FC236}">
-                <a16:creationId xmlns:a16="http://schemas.microsoft.com/office/drawing/2014/main" xmlns="" id="{D1874406-99A4-114C-A234-9C9FCA2B6731}"/>
+                <a16:creationId xmlns="" xmlns:a16="http://schemas.microsoft.com/office/drawing/2014/main" id="{D1874406-99A4-114C-A234-9C9FCA2B6731}"/>
               </a:ext>
             </a:extLst>
           </p:cNvPr>
@@ -6695,7 +6696,7 @@
           <p:cNvPr id="8" name="Rectangle 7">
             <a:extLst>
               <a:ext uri="{FF2B5EF4-FFF2-40B4-BE49-F238E27FC236}">
-                <a16:creationId xmlns:a16="http://schemas.microsoft.com/office/drawing/2014/main" xmlns="" id="{8F3F840F-2060-4F4D-B5FC-77273BBB0A1C}"/>
+                <a16:creationId xmlns="" xmlns:a16="http://schemas.microsoft.com/office/drawing/2014/main" id="{8F3F840F-2060-4F4D-B5FC-77273BBB0A1C}"/>
               </a:ext>
             </a:extLst>
           </p:cNvPr>
@@ -6784,7 +6785,7 @@
           <p:cNvPr id="2" name="Title 1">
             <a:extLst>
               <a:ext uri="{FF2B5EF4-FFF2-40B4-BE49-F238E27FC236}">
-                <a16:creationId xmlns:a16="http://schemas.microsoft.com/office/drawing/2014/main" xmlns="" id="{09438A55-C8D6-2C43-BCCB-0FBF112716EC}"/>
+                <a16:creationId xmlns="" xmlns:a16="http://schemas.microsoft.com/office/drawing/2014/main" id="{09438A55-C8D6-2C43-BCCB-0FBF112716EC}"/>
               </a:ext>
             </a:extLst>
           </p:cNvPr>
@@ -6881,7 +6882,7 @@
           <p:cNvPr id="15" name="Rectangle 14">
             <a:extLst>
               <a:ext uri="{FF2B5EF4-FFF2-40B4-BE49-F238E27FC236}">
-                <a16:creationId xmlns:a16="http://schemas.microsoft.com/office/drawing/2014/main" xmlns="" id="{098DE68D-C01D-7442-965F-DF2DC28E115B}"/>
+                <a16:creationId xmlns="" xmlns:a16="http://schemas.microsoft.com/office/drawing/2014/main" id="{098DE68D-C01D-7442-965F-DF2DC28E115B}"/>
               </a:ext>
             </a:extLst>
           </p:cNvPr>
@@ -6944,7 +6945,7 @@
           <p:cNvPr id="12" name="Title 1">
             <a:extLst>
               <a:ext uri="{FF2B5EF4-FFF2-40B4-BE49-F238E27FC236}">
-                <a16:creationId xmlns:a16="http://schemas.microsoft.com/office/drawing/2014/main" xmlns="" id="{593A1026-43D4-9C4F-A4BF-2A20972B46A3}"/>
+                <a16:creationId xmlns="" xmlns:a16="http://schemas.microsoft.com/office/drawing/2014/main" id="{593A1026-43D4-9C4F-A4BF-2A20972B46A3}"/>
               </a:ext>
             </a:extLst>
           </p:cNvPr>
@@ -6978,7 +6979,7 @@
           <p:cNvPr id="4" name="Rectangle 3">
             <a:extLst>
               <a:ext uri="{FF2B5EF4-FFF2-40B4-BE49-F238E27FC236}">
-                <a16:creationId xmlns:a16="http://schemas.microsoft.com/office/drawing/2014/main" xmlns="" id="{C938D361-71DE-B544-9D50-26BD7C0D7739}"/>
+                <a16:creationId xmlns="" xmlns:a16="http://schemas.microsoft.com/office/drawing/2014/main" id="{C938D361-71DE-B544-9D50-26BD7C0D7739}"/>
               </a:ext>
             </a:extLst>
           </p:cNvPr>
@@ -7032,7 +7033,7 @@
           <p:cNvPr id="18" name="Rectangle 17">
             <a:extLst>
               <a:ext uri="{FF2B5EF4-FFF2-40B4-BE49-F238E27FC236}">
-                <a16:creationId xmlns:a16="http://schemas.microsoft.com/office/drawing/2014/main" xmlns="" id="{C938D361-71DE-B544-9D50-26BD7C0D7739}"/>
+                <a16:creationId xmlns="" xmlns:a16="http://schemas.microsoft.com/office/drawing/2014/main" id="{C938D361-71DE-B544-9D50-26BD7C0D7739}"/>
               </a:ext>
             </a:extLst>
           </p:cNvPr>
@@ -7079,43 +7080,7 @@
                 </a:solidFill>
                 <a:ea typeface="Roboto" panose="02000000000000000000" pitchFamily="2" charset="0"/>
               </a:rPr>
-              <a:t>Fournir </a:t>
-            </a:r>
-            <a:r>
-              <a:rPr lang="fr-FR" sz="2000" b="1" dirty="0" smtClean="0">
-                <a:solidFill>
-                  <a:schemeClr val="tx1"/>
-                </a:solidFill>
-                <a:ea typeface="Roboto" panose="02000000000000000000" pitchFamily="2" charset="0"/>
-              </a:rPr>
-              <a:t>des</a:t>
-            </a:r>
-            <a:r>
-              <a:rPr lang="fr-FR" sz="2000" b="1" dirty="0" smtClean="0">
-                <a:solidFill>
-                  <a:schemeClr val="tx1"/>
-                </a:solidFill>
-                <a:ea typeface="Roboto" panose="02000000000000000000" pitchFamily="2" charset="0"/>
-              </a:rPr>
-              <a:t> outils </a:t>
-            </a:r>
-            <a:r>
-              <a:rPr lang="fr-FR" sz="2000" b="1" dirty="0" smtClean="0">
-                <a:solidFill>
-                  <a:schemeClr val="tx1"/>
-                </a:solidFill>
-                <a:ea typeface="Roboto" panose="02000000000000000000" pitchFamily="2" charset="0"/>
-              </a:rPr>
-              <a:t>de type dashboard pour répondre à </a:t>
-            </a:r>
-            <a:r>
-              <a:rPr lang="fr-FR" sz="2000" b="1" dirty="0" smtClean="0">
-                <a:solidFill>
-                  <a:schemeClr val="tx1"/>
-                </a:solidFill>
-                <a:ea typeface="Roboto" panose="02000000000000000000" pitchFamily="2" charset="0"/>
-              </a:rPr>
-              <a:t>des questions</a:t>
+              <a:t>Fournir des outils de type dashboard pour répondre à des questions</a:t>
             </a:r>
             <a:endParaRPr lang="fr-FR" sz="2000" b="1" dirty="0">
               <a:solidFill>
@@ -7168,7 +7133,7 @@
           <p:cNvPr id="15" name="Rectangle 14">
             <a:extLst>
               <a:ext uri="{FF2B5EF4-FFF2-40B4-BE49-F238E27FC236}">
-                <a16:creationId xmlns:a16="http://schemas.microsoft.com/office/drawing/2014/main" xmlns="" id="{098DE68D-C01D-7442-965F-DF2DC28E115B}"/>
+                <a16:creationId xmlns="" xmlns:a16="http://schemas.microsoft.com/office/drawing/2014/main" id="{098DE68D-C01D-7442-965F-DF2DC28E115B}"/>
               </a:ext>
             </a:extLst>
           </p:cNvPr>
@@ -7231,7 +7196,7 @@
           <p:cNvPr id="12" name="Title 1">
             <a:extLst>
               <a:ext uri="{FF2B5EF4-FFF2-40B4-BE49-F238E27FC236}">
-                <a16:creationId xmlns:a16="http://schemas.microsoft.com/office/drawing/2014/main" xmlns="" id="{593A1026-43D4-9C4F-A4BF-2A20972B46A3}"/>
+                <a16:creationId xmlns="" xmlns:a16="http://schemas.microsoft.com/office/drawing/2014/main" id="{593A1026-43D4-9C4F-A4BF-2A20972B46A3}"/>
               </a:ext>
             </a:extLst>
           </p:cNvPr>
@@ -7265,7 +7230,7 @@
           <p:cNvPr id="4" name="Rectangle 3">
             <a:extLst>
               <a:ext uri="{FF2B5EF4-FFF2-40B4-BE49-F238E27FC236}">
-                <a16:creationId xmlns:a16="http://schemas.microsoft.com/office/drawing/2014/main" xmlns="" id="{C938D361-71DE-B544-9D50-26BD7C0D7739}"/>
+                <a16:creationId xmlns="" xmlns:a16="http://schemas.microsoft.com/office/drawing/2014/main" id="{C938D361-71DE-B544-9D50-26BD7C0D7739}"/>
               </a:ext>
             </a:extLst>
           </p:cNvPr>
@@ -7360,7 +7325,7 @@
           <p:cNvPr id="18" name="Rectangle 17">
             <a:extLst>
               <a:ext uri="{FF2B5EF4-FFF2-40B4-BE49-F238E27FC236}">
-                <a16:creationId xmlns:a16="http://schemas.microsoft.com/office/drawing/2014/main" xmlns="" id="{C938D361-71DE-B544-9D50-26BD7C0D7739}"/>
+                <a16:creationId xmlns="" xmlns:a16="http://schemas.microsoft.com/office/drawing/2014/main" id="{C938D361-71DE-B544-9D50-26BD7C0D7739}"/>
               </a:ext>
             </a:extLst>
           </p:cNvPr>
@@ -7855,7 +7820,7 @@
           <p:cNvPr id="15" name="Rectangle 14">
             <a:extLst>
               <a:ext uri="{FF2B5EF4-FFF2-40B4-BE49-F238E27FC236}">
-                <a16:creationId xmlns:a16="http://schemas.microsoft.com/office/drawing/2014/main" xmlns="" id="{098DE68D-C01D-7442-965F-DF2DC28E115B}"/>
+                <a16:creationId xmlns="" xmlns:a16="http://schemas.microsoft.com/office/drawing/2014/main" id="{098DE68D-C01D-7442-965F-DF2DC28E115B}"/>
               </a:ext>
             </a:extLst>
           </p:cNvPr>
@@ -7918,7 +7883,7 @@
           <p:cNvPr id="12" name="Title 1">
             <a:extLst>
               <a:ext uri="{FF2B5EF4-FFF2-40B4-BE49-F238E27FC236}">
-                <a16:creationId xmlns:a16="http://schemas.microsoft.com/office/drawing/2014/main" xmlns="" id="{593A1026-43D4-9C4F-A4BF-2A20972B46A3}"/>
+                <a16:creationId xmlns="" xmlns:a16="http://schemas.microsoft.com/office/drawing/2014/main" id="{593A1026-43D4-9C4F-A4BF-2A20972B46A3}"/>
               </a:ext>
             </a:extLst>
           </p:cNvPr>
@@ -7952,7 +7917,7 @@
           <p:cNvPr id="4" name="Rectangle 3">
             <a:extLst>
               <a:ext uri="{FF2B5EF4-FFF2-40B4-BE49-F238E27FC236}">
-                <a16:creationId xmlns:a16="http://schemas.microsoft.com/office/drawing/2014/main" xmlns="" id="{C938D361-71DE-B544-9D50-26BD7C0D7739}"/>
+                <a16:creationId xmlns="" xmlns:a16="http://schemas.microsoft.com/office/drawing/2014/main" id="{C938D361-71DE-B544-9D50-26BD7C0D7739}"/>
               </a:ext>
             </a:extLst>
           </p:cNvPr>
@@ -8006,7 +7971,7 @@
           <p:cNvPr id="13" name="Rectangle 12">
             <a:extLst>
               <a:ext uri="{FF2B5EF4-FFF2-40B4-BE49-F238E27FC236}">
-                <a16:creationId xmlns:a16="http://schemas.microsoft.com/office/drawing/2014/main" xmlns="" id="{C938D361-71DE-B544-9D50-26BD7C0D7739}"/>
+                <a16:creationId xmlns="" xmlns:a16="http://schemas.microsoft.com/office/drawing/2014/main" id="{C938D361-71DE-B544-9D50-26BD7C0D7739}"/>
               </a:ext>
             </a:extLst>
           </p:cNvPr>
@@ -8069,7 +8034,7 @@
           <p:cNvPr id="17" name="Rectangle 16">
             <a:extLst>
               <a:ext uri="{FF2B5EF4-FFF2-40B4-BE49-F238E27FC236}">
-                <a16:creationId xmlns:a16="http://schemas.microsoft.com/office/drawing/2014/main" xmlns="" id="{C938D361-71DE-B544-9D50-26BD7C0D7739}"/>
+                <a16:creationId xmlns="" xmlns:a16="http://schemas.microsoft.com/office/drawing/2014/main" id="{C938D361-71DE-B544-9D50-26BD7C0D7739}"/>
               </a:ext>
             </a:extLst>
           </p:cNvPr>
@@ -8116,16 +8081,7 @@
                 </a:solidFill>
                 <a:ea typeface="Roboto" panose="02000000000000000000" pitchFamily="2" charset="0"/>
               </a:rPr>
-              <a:t>Réaliser </a:t>
-            </a:r>
-            <a:r>
-              <a:rPr lang="fr-FR" sz="2000" b="1" dirty="0" smtClean="0">
-                <a:solidFill>
-                  <a:schemeClr val="tx1"/>
-                </a:solidFill>
-                <a:ea typeface="Roboto" panose="02000000000000000000" pitchFamily="2" charset="0"/>
-              </a:rPr>
-              <a:t>le dashboard en R + </a:t>
+              <a:t>Réaliser le dashboard en R + </a:t>
             </a:r>
             <a:r>
               <a:rPr lang="fr-FR" sz="2000" b="1" dirty="0" err="1" smtClean="0">
@@ -8150,7 +8106,7 @@
           <p:cNvPr id="18" name="Rectangle 17">
             <a:extLst>
               <a:ext uri="{FF2B5EF4-FFF2-40B4-BE49-F238E27FC236}">
-                <a16:creationId xmlns:a16="http://schemas.microsoft.com/office/drawing/2014/main" xmlns="" id="{C938D361-71DE-B544-9D50-26BD7C0D7739}"/>
+                <a16:creationId xmlns="" xmlns:a16="http://schemas.microsoft.com/office/drawing/2014/main" id="{C938D361-71DE-B544-9D50-26BD7C0D7739}"/>
               </a:ext>
             </a:extLst>
           </p:cNvPr>
@@ -8309,7 +8265,7 @@
           <p:cNvPr id="15" name="Rectangle 14">
             <a:extLst>
               <a:ext uri="{FF2B5EF4-FFF2-40B4-BE49-F238E27FC236}">
-                <a16:creationId xmlns:a16="http://schemas.microsoft.com/office/drawing/2014/main" xmlns="" id="{098DE68D-C01D-7442-965F-DF2DC28E115B}"/>
+                <a16:creationId xmlns="" xmlns:a16="http://schemas.microsoft.com/office/drawing/2014/main" id="{098DE68D-C01D-7442-965F-DF2DC28E115B}"/>
               </a:ext>
             </a:extLst>
           </p:cNvPr>
@@ -8375,7 +8331,7 @@
           <p:cNvPr id="12" name="Title 1">
             <a:extLst>
               <a:ext uri="{FF2B5EF4-FFF2-40B4-BE49-F238E27FC236}">
-                <a16:creationId xmlns:a16="http://schemas.microsoft.com/office/drawing/2014/main" xmlns="" id="{593A1026-43D4-9C4F-A4BF-2A20972B46A3}"/>
+                <a16:creationId xmlns="" xmlns:a16="http://schemas.microsoft.com/office/drawing/2014/main" id="{593A1026-43D4-9C4F-A4BF-2A20972B46A3}"/>
               </a:ext>
             </a:extLst>
           </p:cNvPr>
@@ -8409,7 +8365,7 @@
           <p:cNvPr id="4" name="Rectangle 3">
             <a:extLst>
               <a:ext uri="{FF2B5EF4-FFF2-40B4-BE49-F238E27FC236}">
-                <a16:creationId xmlns:a16="http://schemas.microsoft.com/office/drawing/2014/main" xmlns="" id="{C938D361-71DE-B544-9D50-26BD7C0D7739}"/>
+                <a16:creationId xmlns="" xmlns:a16="http://schemas.microsoft.com/office/drawing/2014/main" id="{C938D361-71DE-B544-9D50-26BD7C0D7739}"/>
               </a:ext>
             </a:extLst>
           </p:cNvPr>
@@ -8463,7 +8419,7 @@
           <p:cNvPr id="18" name="Rectangle 17">
             <a:extLst>
               <a:ext uri="{FF2B5EF4-FFF2-40B4-BE49-F238E27FC236}">
-                <a16:creationId xmlns:a16="http://schemas.microsoft.com/office/drawing/2014/main" xmlns="" id="{C938D361-71DE-B544-9D50-26BD7C0D7739}"/>
+                <a16:creationId xmlns="" xmlns:a16="http://schemas.microsoft.com/office/drawing/2014/main" id="{C938D361-71DE-B544-9D50-26BD7C0D7739}"/>
               </a:ext>
             </a:extLst>
           </p:cNvPr>
@@ -9425,7 +9381,7 @@
           <p:cNvPr id="15" name="Rectangle 14">
             <a:extLst>
               <a:ext uri="{FF2B5EF4-FFF2-40B4-BE49-F238E27FC236}">
-                <a16:creationId xmlns:a16="http://schemas.microsoft.com/office/drawing/2014/main" xmlns="" id="{098DE68D-C01D-7442-965F-DF2DC28E115B}"/>
+                <a16:creationId xmlns="" xmlns:a16="http://schemas.microsoft.com/office/drawing/2014/main" id="{098DE68D-C01D-7442-965F-DF2DC28E115B}"/>
               </a:ext>
             </a:extLst>
           </p:cNvPr>
@@ -9436,7 +9392,7 @@
         </p:nvSpPr>
         <p:spPr>
           <a:xfrm>
-            <a:off x="106137" y="1741611"/>
+            <a:off x="179768" y="1725283"/>
             <a:ext cx="11878573" cy="4038949"/>
           </a:xfrm>
           <a:prstGeom prst="rect">
@@ -9476,10 +9432,206 @@
           <a:bodyPr rtlCol="0" anchor="ctr"/>
           <a:lstStyle/>
           <a:p>
+            <a:pPr lvl="0"/>
+            <a:r>
+              <a:rPr lang="fr-FR" b="1" dirty="0" smtClean="0">
+                <a:solidFill>
+                  <a:schemeClr val="tx1"/>
+                </a:solidFill>
+              </a:rPr>
+              <a:t>Dans </a:t>
+            </a:r>
+            <a:r>
+              <a:rPr lang="fr-FR" b="1" dirty="0" err="1" smtClean="0">
+                <a:solidFill>
+                  <a:schemeClr val="tx1"/>
+                </a:solidFill>
+              </a:rPr>
+              <a:t>RStudio</a:t>
+            </a:r>
+            <a:endParaRPr lang="fr-FR" b="1" dirty="0" smtClean="0">
+              <a:solidFill>
+                <a:schemeClr val="tx1"/>
+              </a:solidFill>
+            </a:endParaRPr>
+          </a:p>
+          <a:p>
+            <a:pPr marL="285750" lvl="0" indent="-285750">
+              <a:buFont typeface="Arial" panose="020B0604020202020204" pitchFamily="34" charset="0"/>
+              <a:buChar char="•"/>
+            </a:pPr>
+            <a:r>
+              <a:rPr lang="fr-FR" dirty="0" smtClean="0">
+                <a:solidFill>
+                  <a:schemeClr val="tx1"/>
+                </a:solidFill>
+              </a:rPr>
+              <a:t>Créer </a:t>
+            </a:r>
+            <a:r>
+              <a:rPr lang="fr-FR" dirty="0">
+                <a:solidFill>
+                  <a:schemeClr val="tx1"/>
+                </a:solidFill>
+              </a:rPr>
+              <a:t>un nouveau projet (File/new </a:t>
+            </a:r>
+            <a:r>
+              <a:rPr lang="fr-FR" dirty="0" err="1">
+                <a:solidFill>
+                  <a:schemeClr val="tx1"/>
+                </a:solidFill>
+              </a:rPr>
+              <a:t>project</a:t>
+            </a:r>
+            <a:r>
+              <a:rPr lang="fr-FR" dirty="0">
+                <a:solidFill>
+                  <a:schemeClr val="tx1"/>
+                </a:solidFill>
+              </a:rPr>
+              <a:t>)</a:t>
+            </a:r>
+          </a:p>
+          <a:p>
+            <a:pPr marL="285750" lvl="0" indent="-285750">
+              <a:buFont typeface="Arial" panose="020B0604020202020204" pitchFamily="34" charset="0"/>
+              <a:buChar char="•"/>
+            </a:pPr>
+            <a:r>
+              <a:rPr lang="fr-FR" dirty="0">
+                <a:solidFill>
+                  <a:schemeClr val="tx1"/>
+                </a:solidFill>
+              </a:rPr>
+              <a:t>Choisir Version control</a:t>
+            </a:r>
+          </a:p>
+          <a:p>
+            <a:pPr marL="285750" lvl="0" indent="-285750">
+              <a:buFont typeface="Arial" panose="020B0604020202020204" pitchFamily="34" charset="0"/>
+              <a:buChar char="•"/>
+            </a:pPr>
+            <a:r>
+              <a:rPr lang="fr-FR" dirty="0">
+                <a:solidFill>
+                  <a:schemeClr val="tx1"/>
+                </a:solidFill>
+              </a:rPr>
+              <a:t>Choisir Git</a:t>
+            </a:r>
+          </a:p>
+          <a:p>
+            <a:pPr marL="285750" lvl="0" indent="-285750">
+              <a:buFont typeface="Arial" panose="020B0604020202020204" pitchFamily="34" charset="0"/>
+              <a:buChar char="•"/>
+            </a:pPr>
+            <a:r>
+              <a:rPr lang="fr-FR" dirty="0">
+                <a:solidFill>
+                  <a:schemeClr val="tx1"/>
+                </a:solidFill>
+              </a:rPr>
+              <a:t>Copier dans </a:t>
+            </a:r>
+            <a:r>
+              <a:rPr lang="fr-FR" dirty="0" err="1">
+                <a:solidFill>
+                  <a:schemeClr val="tx1"/>
+                </a:solidFill>
+              </a:rPr>
+              <a:t>repository</a:t>
+            </a:r>
+            <a:r>
+              <a:rPr lang="fr-FR" dirty="0">
+                <a:solidFill>
+                  <a:schemeClr val="tx1"/>
+                </a:solidFill>
+              </a:rPr>
+              <a:t> url l’url suivante :  </a:t>
+            </a:r>
+            <a:r>
+              <a:rPr lang="fr-FR" u="sng" dirty="0">
+                <a:solidFill>
+                  <a:schemeClr val="tx1"/>
+                </a:solidFill>
+                <a:hlinkClick r:id="rId2"/>
+              </a:rPr>
+              <a:t>https://github.com/sebastienQNLT/M2-dataviz-2022.git</a:t>
+            </a:r>
+            <a:endParaRPr lang="fr-FR" dirty="0">
+              <a:solidFill>
+                <a:schemeClr val="tx1"/>
+              </a:solidFill>
+            </a:endParaRPr>
+          </a:p>
+          <a:p>
+            <a:pPr marL="285750" lvl="0" indent="-285750">
+              <a:buFont typeface="Arial" panose="020B0604020202020204" pitchFamily="34" charset="0"/>
+              <a:buChar char="•"/>
+            </a:pPr>
+            <a:r>
+              <a:rPr lang="fr-FR" dirty="0" err="1">
+                <a:solidFill>
+                  <a:schemeClr val="tx1"/>
+                </a:solidFill>
+              </a:rPr>
+              <a:t>Create</a:t>
+            </a:r>
+            <a:r>
+              <a:rPr lang="fr-FR" dirty="0">
+                <a:solidFill>
+                  <a:schemeClr val="tx1"/>
+                </a:solidFill>
+              </a:rPr>
+              <a:t> </a:t>
+            </a:r>
+            <a:r>
+              <a:rPr lang="fr-FR" dirty="0" err="1">
+                <a:solidFill>
+                  <a:schemeClr val="tx1"/>
+                </a:solidFill>
+              </a:rPr>
+              <a:t>project</a:t>
+            </a:r>
+            <a:endParaRPr lang="fr-FR" dirty="0">
+              <a:solidFill>
+                <a:schemeClr val="tx1"/>
+              </a:solidFill>
+            </a:endParaRPr>
+          </a:p>
+          <a:p>
+            <a:pPr marL="285750" lvl="0" indent="-285750">
+              <a:buFont typeface="Arial" panose="020B0604020202020204" pitchFamily="34" charset="0"/>
+              <a:buChar char="•"/>
+            </a:pPr>
+            <a:r>
+              <a:rPr lang="fr-FR" dirty="0">
+                <a:solidFill>
+                  <a:schemeClr val="tx1"/>
+                </a:solidFill>
+              </a:rPr>
+              <a:t>Puis exécuter le script </a:t>
+            </a:r>
+            <a:r>
+              <a:rPr lang="fr-FR" dirty="0" err="1">
+                <a:solidFill>
+                  <a:schemeClr val="tx1"/>
+                </a:solidFill>
+              </a:rPr>
+              <a:t>requirements.r</a:t>
+            </a:r>
+            <a:endParaRPr lang="fr-FR" dirty="0">
+              <a:solidFill>
+                <a:schemeClr val="tx1"/>
+              </a:solidFill>
+            </a:endParaRPr>
+          </a:p>
+          <a:p>
             <a:pPr algn="ctr"/>
             <a:endParaRPr lang="fr-FR" dirty="0">
               <a:solidFill>
-                <a:schemeClr val="accent3"/>
+                <a:schemeClr val="tx1"/>
               </a:solidFill>
               <a:ea typeface="Roboto Light" panose="02000000000000000000" pitchFamily="2" charset="0"/>
             </a:endParaRPr>
@@ -9491,7 +9643,7 @@
           <p:cNvPr id="12" name="Title 1">
             <a:extLst>
               <a:ext uri="{FF2B5EF4-FFF2-40B4-BE49-F238E27FC236}">
-                <a16:creationId xmlns:a16="http://schemas.microsoft.com/office/drawing/2014/main" xmlns="" id="{593A1026-43D4-9C4F-A4BF-2A20972B46A3}"/>
+                <a16:creationId xmlns="" xmlns:a16="http://schemas.microsoft.com/office/drawing/2014/main" id="{593A1026-43D4-9C4F-A4BF-2A20972B46A3}"/>
               </a:ext>
             </a:extLst>
           </p:cNvPr>
@@ -9512,7 +9664,7 @@
               <a:rPr lang="fr-FR" dirty="0" smtClean="0">
                 <a:latin typeface="+mn-lt"/>
               </a:rPr>
-              <a:t>Liens utiles</a:t>
+              <a:t>Lancement du TD</a:t>
             </a:r>
             <a:endParaRPr lang="fr-FR" dirty="0">
               <a:latin typeface="+mn-lt"/>
@@ -9525,7 +9677,7 @@
           <p:cNvPr id="4" name="Rectangle 3">
             <a:extLst>
               <a:ext uri="{FF2B5EF4-FFF2-40B4-BE49-F238E27FC236}">
-                <a16:creationId xmlns:a16="http://schemas.microsoft.com/office/drawing/2014/main" xmlns="" id="{C938D361-71DE-B544-9D50-26BD7C0D7739}"/>
+                <a16:creationId xmlns="" xmlns:a16="http://schemas.microsoft.com/office/drawing/2014/main" id="{C938D361-71DE-B544-9D50-26BD7C0D7739}"/>
               </a:ext>
             </a:extLst>
           </p:cNvPr>
@@ -9579,7 +9731,7 @@
           <p:cNvPr id="18" name="Rectangle 17">
             <a:extLst>
               <a:ext uri="{FF2B5EF4-FFF2-40B4-BE49-F238E27FC236}">
-                <a16:creationId xmlns:a16="http://schemas.microsoft.com/office/drawing/2014/main" xmlns="" id="{C938D361-71DE-B544-9D50-26BD7C0D7739}"/>
+                <a16:creationId xmlns="" xmlns:a16="http://schemas.microsoft.com/office/drawing/2014/main" id="{C938D361-71DE-B544-9D50-26BD7C0D7739}"/>
               </a:ext>
             </a:extLst>
           </p:cNvPr>
@@ -9628,30 +9780,78 @@
           </a:p>
         </p:txBody>
       </p:sp>
-      <p:sp>
-        <p:nvSpPr>
-          <p:cNvPr id="28" name="Rectangle 27">
-            <a:extLst>
-              <a:ext uri="{FF2B5EF4-FFF2-40B4-BE49-F238E27FC236}">
-                <a16:creationId xmlns:a16="http://schemas.microsoft.com/office/drawing/2014/main" xmlns="" id="{C938D361-71DE-B544-9D50-26BD7C0D7739}"/>
-              </a:ext>
-            </a:extLst>
-          </p:cNvPr>
-          <p:cNvSpPr/>
+    </p:spTree>
+    <p:extLst>
+      <p:ext uri="{BB962C8B-B14F-4D97-AF65-F5344CB8AC3E}">
+        <p14:creationId xmlns:p14="http://schemas.microsoft.com/office/powerpoint/2010/main" val="2721519358"/>
+      </p:ext>
+    </p:extLst>
+  </p:cSld>
+  <p:clrMapOvr>
+    <a:masterClrMapping/>
+  </p:clrMapOvr>
+  <p:timing>
+    <p:tnLst>
+      <p:par>
+        <p:cTn id="1" dur="indefinite" restart="never" nodeType="tmRoot"/>
+      </p:par>
+    </p:tnLst>
+  </p:timing>
+</p:sld>
+</file>
+
+<file path=ppt/slides/slide7.xml><?xml version="1.0" encoding="utf-8"?>
+<p:sld xmlns:a="http://schemas.openxmlformats.org/drawingml/2006/main" xmlns:r="http://schemas.openxmlformats.org/officeDocument/2006/relationships" xmlns:p="http://schemas.openxmlformats.org/presentationml/2006/main">
+  <p:cSld>
+    <p:spTree>
+      <p:nvGrpSpPr>
+        <p:cNvPr id="1" name=""/>
+        <p:cNvGrpSpPr/>
+        <p:nvPr/>
+      </p:nvGrpSpPr>
+      <p:grpSpPr>
+        <a:xfrm>
+          <a:off x="0" y="0"/>
+          <a:ext cx="0" cy="0"/>
+          <a:chOff x="0" y="0"/>
+          <a:chExt cx="0" cy="0"/>
+        </a:xfrm>
+      </p:grpSpPr>
+      <p:sp>
+        <p:nvSpPr>
+          <p:cNvPr id="15" name="Rectangle 14">
+            <a:extLst>
+              <a:ext uri="{FF2B5EF4-FFF2-40B4-BE49-F238E27FC236}">
+                <a16:creationId xmlns="" xmlns:a16="http://schemas.microsoft.com/office/drawing/2014/main" id="{098DE68D-C01D-7442-965F-DF2DC28E115B}"/>
+              </a:ext>
+            </a:extLst>
+          </p:cNvPr>
+          <p:cNvSpPr>
+            <a:spLocks/>
+          </p:cNvSpPr>
           <p:nvPr/>
         </p:nvSpPr>
         <p:spPr>
           <a:xfrm>
-            <a:off x="362680" y="4373629"/>
-            <a:ext cx="10699925" cy="413453"/>
+            <a:off x="106137" y="1741611"/>
+            <a:ext cx="11878573" cy="4038949"/>
           </a:xfrm>
           <a:prstGeom prst="rect">
             <a:avLst/>
           </a:prstGeom>
-          <a:noFill/>
+          <a:solidFill>
+            <a:schemeClr val="bg1"/>
+          </a:solidFill>
           <a:ln>
             <a:noFill/>
           </a:ln>
+          <a:effectLst>
+            <a:outerShdw blurRad="254000" algn="ctr" rotWithShape="0">
+              <a:prstClr val="black">
+                <a:alpha val="20000"/>
+              </a:prstClr>
+            </a:outerShdw>
+          </a:effectLst>
         </p:spPr>
         <p:style>
           <a:lnRef idx="2">
@@ -9670,6 +9870,203 @@
           </a:fontRef>
         </p:style>
         <p:txBody>
+          <a:bodyPr rtlCol="0" anchor="ctr"/>
+          <a:lstStyle/>
+          <a:p>
+            <a:pPr algn="ctr"/>
+            <a:endParaRPr lang="fr-FR" dirty="0">
+              <a:solidFill>
+                <a:schemeClr val="accent3"/>
+              </a:solidFill>
+              <a:ea typeface="Roboto Light" panose="02000000000000000000" pitchFamily="2" charset="0"/>
+            </a:endParaRPr>
+          </a:p>
+        </p:txBody>
+      </p:sp>
+      <p:sp>
+        <p:nvSpPr>
+          <p:cNvPr id="12" name="Title 1">
+            <a:extLst>
+              <a:ext uri="{FF2B5EF4-FFF2-40B4-BE49-F238E27FC236}">
+                <a16:creationId xmlns="" xmlns:a16="http://schemas.microsoft.com/office/drawing/2014/main" id="{593A1026-43D4-9C4F-A4BF-2A20972B46A3}"/>
+              </a:ext>
+            </a:extLst>
+          </p:cNvPr>
+          <p:cNvSpPr>
+            <a:spLocks noGrp="1"/>
+          </p:cNvSpPr>
+          <p:nvPr>
+            <p:ph type="title"/>
+          </p:nvPr>
+        </p:nvSpPr>
+        <p:spPr/>
+        <p:txBody>
+          <a:bodyPr/>
+          <a:lstStyle/>
+          <a:p>
+            <a:pPr algn="ctr"/>
+            <a:r>
+              <a:rPr lang="fr-FR" dirty="0" smtClean="0">
+                <a:latin typeface="+mn-lt"/>
+              </a:rPr>
+              <a:t>Liens utiles</a:t>
+            </a:r>
+            <a:endParaRPr lang="fr-FR" dirty="0">
+              <a:latin typeface="+mn-lt"/>
+            </a:endParaRPr>
+          </a:p>
+        </p:txBody>
+      </p:sp>
+      <p:sp>
+        <p:nvSpPr>
+          <p:cNvPr id="4" name="Rectangle 3">
+            <a:extLst>
+              <a:ext uri="{FF2B5EF4-FFF2-40B4-BE49-F238E27FC236}">
+                <a16:creationId xmlns="" xmlns:a16="http://schemas.microsoft.com/office/drawing/2014/main" id="{C938D361-71DE-B544-9D50-26BD7C0D7739}"/>
+              </a:ext>
+            </a:extLst>
+          </p:cNvPr>
+          <p:cNvSpPr/>
+          <p:nvPr/>
+        </p:nvSpPr>
+        <p:spPr>
+          <a:xfrm>
+            <a:off x="1482729" y="2403177"/>
+            <a:ext cx="10510144" cy="413724"/>
+          </a:xfrm>
+          <a:prstGeom prst="rect">
+            <a:avLst/>
+          </a:prstGeom>
+          <a:noFill/>
+          <a:ln>
+            <a:noFill/>
+          </a:ln>
+        </p:spPr>
+        <p:style>
+          <a:lnRef idx="2">
+            <a:schemeClr val="accent1">
+              <a:shade val="50000"/>
+            </a:schemeClr>
+          </a:lnRef>
+          <a:fillRef idx="1">
+            <a:schemeClr val="accent1"/>
+          </a:fillRef>
+          <a:effectRef idx="0">
+            <a:schemeClr val="accent1"/>
+          </a:effectRef>
+          <a:fontRef idx="minor">
+            <a:schemeClr val="lt1"/>
+          </a:fontRef>
+        </p:style>
+        <p:txBody>
+          <a:bodyPr rtlCol="0" anchor="b"/>
+          <a:lstStyle/>
+          <a:p>
+            <a:endParaRPr lang="fr-FR" sz="2000" b="1" dirty="0">
+              <a:solidFill>
+                <a:schemeClr val="tx1"/>
+              </a:solidFill>
+              <a:ea typeface="Roboto" panose="02000000000000000000" pitchFamily="2" charset="0"/>
+            </a:endParaRPr>
+          </a:p>
+        </p:txBody>
+      </p:sp>
+      <p:sp>
+        <p:nvSpPr>
+          <p:cNvPr id="18" name="Rectangle 17">
+            <a:extLst>
+              <a:ext uri="{FF2B5EF4-FFF2-40B4-BE49-F238E27FC236}">
+                <a16:creationId xmlns="" xmlns:a16="http://schemas.microsoft.com/office/drawing/2014/main" id="{C938D361-71DE-B544-9D50-26BD7C0D7739}"/>
+              </a:ext>
+            </a:extLst>
+          </p:cNvPr>
+          <p:cNvSpPr/>
+          <p:nvPr/>
+        </p:nvSpPr>
+        <p:spPr>
+          <a:xfrm>
+            <a:off x="1579160" y="2403448"/>
+            <a:ext cx="10699925" cy="3360784"/>
+          </a:xfrm>
+          <a:prstGeom prst="rect">
+            <a:avLst/>
+          </a:prstGeom>
+          <a:noFill/>
+          <a:ln>
+            <a:noFill/>
+          </a:ln>
+        </p:spPr>
+        <p:style>
+          <a:lnRef idx="2">
+            <a:schemeClr val="accent1">
+              <a:shade val="50000"/>
+            </a:schemeClr>
+          </a:lnRef>
+          <a:fillRef idx="1">
+            <a:schemeClr val="accent1"/>
+          </a:fillRef>
+          <a:effectRef idx="0">
+            <a:schemeClr val="accent1"/>
+          </a:effectRef>
+          <a:fontRef idx="minor">
+            <a:schemeClr val="lt1"/>
+          </a:fontRef>
+        </p:style>
+        <p:txBody>
+          <a:bodyPr rtlCol="0" anchor="b"/>
+          <a:lstStyle/>
+          <a:p>
+            <a:endParaRPr lang="fr-FR" sz="1600" b="1" dirty="0">
+              <a:solidFill>
+                <a:schemeClr val="tx1"/>
+              </a:solidFill>
+              <a:ea typeface="Roboto" panose="02000000000000000000" pitchFamily="2" charset="0"/>
+            </a:endParaRPr>
+          </a:p>
+        </p:txBody>
+      </p:sp>
+      <p:sp>
+        <p:nvSpPr>
+          <p:cNvPr id="28" name="Rectangle 27">
+            <a:extLst>
+              <a:ext uri="{FF2B5EF4-FFF2-40B4-BE49-F238E27FC236}">
+                <a16:creationId xmlns="" xmlns:a16="http://schemas.microsoft.com/office/drawing/2014/main" id="{C938D361-71DE-B544-9D50-26BD7C0D7739}"/>
+              </a:ext>
+            </a:extLst>
+          </p:cNvPr>
+          <p:cNvSpPr/>
+          <p:nvPr/>
+        </p:nvSpPr>
+        <p:spPr>
+          <a:xfrm>
+            <a:off x="362680" y="4373629"/>
+            <a:ext cx="10699925" cy="413453"/>
+          </a:xfrm>
+          <a:prstGeom prst="rect">
+            <a:avLst/>
+          </a:prstGeom>
+          <a:noFill/>
+          <a:ln>
+            <a:noFill/>
+          </a:ln>
+        </p:spPr>
+        <p:style>
+          <a:lnRef idx="2">
+            <a:schemeClr val="accent1">
+              <a:shade val="50000"/>
+            </a:schemeClr>
+          </a:lnRef>
+          <a:fillRef idx="1">
+            <a:schemeClr val="accent1"/>
+          </a:fillRef>
+          <a:effectRef idx="0">
+            <a:schemeClr val="accent1"/>
+          </a:effectRef>
+          <a:fontRef idx="minor">
+            <a:schemeClr val="lt1"/>
+          </a:fontRef>
+        </p:style>
+        <p:txBody>
           <a:bodyPr rtlCol="0" anchor="b"/>
           <a:lstStyle/>
           <a:p>
@@ -9906,12 +10303,6 @@
               </a:rPr>
               <a:t>: https://www.kaggle.com/datasets/stefanoleone992/fifa-22-complete-player-dataset?select=players_22.csv</a:t>
             </a:r>
-            <a:endParaRPr lang="fr-FR" sz="2000" dirty="0">
-              <a:solidFill>
-                <a:schemeClr val="tx1"/>
-              </a:solidFill>
-              <a:ea typeface="Roboto" panose="02000000000000000000" pitchFamily="2" charset="0"/>
-            </a:endParaRPr>
           </a:p>
         </p:txBody>
       </p:sp>
@@ -10276,7 +10667,7 @@
   <a:extraClrSchemeLst/>
   <a:extLst>
     <a:ext uri="{05A4C25C-085E-4340-85A3-A5531E510DB2}">
-      <thm15:themeFamily xmlns:thm15="http://schemas.microsoft.com/office/thememl/2012/main" xmlns="" name="Office Theme" id="{62F939B6-93AF-4DB8-9C6B-D6C7DFDC589F}" vid="{4A3C46E8-61CC-4603-A589-7422A47A8E4A}"/>
+      <thm15:themeFamily xmlns="" xmlns:thm15="http://schemas.microsoft.com/office/thememl/2012/main" name="Office Theme" id="{62F939B6-93AF-4DB8-9C6B-D6C7DFDC589F}" vid="{4A3C46E8-61CC-4603-A589-7422A47A8E4A}"/>
     </a:ext>
   </a:extLst>
 </a:theme>
@@ -10571,7 +10962,7 @@
   <a:extraClrSchemeLst/>
   <a:extLst>
     <a:ext uri="{05A4C25C-085E-4340-85A3-A5531E510DB2}">
-      <thm15:themeFamily xmlns:thm15="http://schemas.microsoft.com/office/thememl/2012/main" xmlns="" name="Office Theme" id="{62F939B6-93AF-4DB8-9C6B-D6C7DFDC589F}" vid="{4A3C46E8-61CC-4603-A589-7422A47A8E4A}"/>
+      <thm15:themeFamily xmlns="" xmlns:thm15="http://schemas.microsoft.com/office/thememl/2012/main" name="Office Theme" id="{62F939B6-93AF-4DB8-9C6B-D6C7DFDC589F}" vid="{4A3C46E8-61CC-4603-A589-7422A47A8E4A}"/>
     </a:ext>
   </a:extLst>
 </a:theme>
